--- a/figure/ros_bridge.pptx
+++ b/figure/ros_bridge.pptx
@@ -7,7 +7,7 @@
   <p:sldIdLst>
     <p:sldId id="256" r:id="rId2"/>
   </p:sldIdLst>
-  <p:sldSz cx="6911975" cy="3671888"/>
+  <p:sldSz cx="6911975" cy="2987675"/>
   <p:notesSz cx="6858000" cy="9144000"/>
   <p:defaultTextStyle>
     <a:defPPr>
@@ -107,7 +107,7 @@
   <p:extLst>
     <p:ext uri="{EFAFB233-063F-42B5-8137-9DF3F51BA10A}">
       <p15:sldGuideLst xmlns:p15="http://schemas.microsoft.com/office/powerpoint/2012/main">
-        <p15:guide id="1" orient="horz" pos="1157" userDrawn="1">
+        <p15:guide id="1" orient="horz" pos="941" userDrawn="1">
           <p15:clr>
             <a:srgbClr val="A4A3A4"/>
           </p15:clr>
@@ -152,8 +152,8 @@
         </p:nvSpPr>
         <p:spPr>
           <a:xfrm>
-            <a:off x="518405" y="1140670"/>
-            <a:ext cx="5875179" cy="787075"/>
+            <a:off x="518406" y="928122"/>
+            <a:ext cx="5875179" cy="640412"/>
           </a:xfrm>
         </p:spPr>
         <p:txBody>
@@ -180,8 +180,8 @@
         </p:nvSpPr>
         <p:spPr>
           <a:xfrm>
-            <a:off x="1036803" y="2080738"/>
-            <a:ext cx="4838383" cy="938371"/>
+            <a:off x="1036804" y="1693019"/>
+            <a:ext cx="4838383" cy="763516"/>
           </a:xfrm>
         </p:spPr>
         <p:txBody>
@@ -197,7 +197,7 @@
                 </a:solidFill>
               </a:defRPr>
             </a:lvl1pPr>
-            <a:lvl2pPr marL="640039" indent="0" algn="ctr">
+            <a:lvl2pPr marL="664040" indent="0" algn="ctr">
               <a:buNone/>
               <a:defRPr>
                 <a:solidFill>
@@ -207,7 +207,7 @@
                 </a:solidFill>
               </a:defRPr>
             </a:lvl2pPr>
-            <a:lvl3pPr marL="1280075" indent="0" algn="ctr">
+            <a:lvl3pPr marL="1328078" indent="0" algn="ctr">
               <a:buNone/>
               <a:defRPr>
                 <a:solidFill>
@@ -217,7 +217,7 @@
                 </a:solidFill>
               </a:defRPr>
             </a:lvl3pPr>
-            <a:lvl4pPr marL="1920112" indent="0" algn="ctr">
+            <a:lvl4pPr marL="1992116" indent="0" algn="ctr">
               <a:buNone/>
               <a:defRPr>
                 <a:solidFill>
@@ -227,7 +227,7 @@
                 </a:solidFill>
               </a:defRPr>
             </a:lvl4pPr>
-            <a:lvl5pPr marL="2560150" indent="0" algn="ctr">
+            <a:lvl5pPr marL="2656156" indent="0" algn="ctr">
               <a:buNone/>
               <a:defRPr>
                 <a:solidFill>
@@ -237,7 +237,7 @@
                 </a:solidFill>
               </a:defRPr>
             </a:lvl5pPr>
-            <a:lvl6pPr marL="3200189" indent="0" algn="ctr">
+            <a:lvl6pPr marL="3320196" indent="0" algn="ctr">
               <a:buNone/>
               <a:defRPr>
                 <a:solidFill>
@@ -247,7 +247,7 @@
                 </a:solidFill>
               </a:defRPr>
             </a:lvl6pPr>
-            <a:lvl7pPr marL="3840225" indent="0" algn="ctr">
+            <a:lvl7pPr marL="3984233" indent="0" algn="ctr">
               <a:buNone/>
               <a:defRPr>
                 <a:solidFill>
@@ -257,7 +257,7 @@
                 </a:solidFill>
               </a:defRPr>
             </a:lvl7pPr>
-            <a:lvl8pPr marL="4480262" indent="0" algn="ctr">
+            <a:lvl8pPr marL="4648272" indent="0" algn="ctr">
               <a:buNone/>
               <a:defRPr>
                 <a:solidFill>
@@ -267,7 +267,7 @@
                 </a:solidFill>
               </a:defRPr>
             </a:lvl8pPr>
-            <a:lvl9pPr marL="5120300" indent="0" algn="ctr">
+            <a:lvl9pPr marL="5312311" indent="0" algn="ctr">
               <a:buNone/>
               <a:defRPr>
                 <a:solidFill>
@@ -304,7 +304,7 @@
           <a:p>
             <a:fld id="{E90ED720-0104-4369-84BC-D37694168613}" type="datetimeFigureOut">
               <a:rPr kumimoji="1" lang="ja-JP" altLang="en-US" smtClean="0"/>
-              <a:t>2016/2/2</a:t>
+              <a:t>2016/3/26</a:t>
             </a:fld>
             <a:endParaRPr kumimoji="1" lang="ja-JP" altLang="en-US"/>
           </a:p>
@@ -501,7 +501,7 @@
           <a:p>
             <a:fld id="{E90ED720-0104-4369-84BC-D37694168613}" type="datetimeFigureOut">
               <a:rPr kumimoji="1" lang="ja-JP" altLang="en-US" smtClean="0"/>
-              <a:t>2016/2/2</a:t>
+              <a:t>2016/3/26</a:t>
             </a:fld>
             <a:endParaRPr kumimoji="1" lang="ja-JP" altLang="en-US"/>
           </a:p>
@@ -586,8 +586,8 @@
         </p:nvSpPr>
         <p:spPr>
           <a:xfrm>
-            <a:off x="5011183" y="147050"/>
-            <a:ext cx="1555194" cy="3133006"/>
+            <a:off x="5011183" y="119650"/>
+            <a:ext cx="1555194" cy="2549207"/>
           </a:xfrm>
         </p:spPr>
         <p:txBody>
@@ -614,8 +614,8 @@
         </p:nvSpPr>
         <p:spPr>
           <a:xfrm>
-            <a:off x="345599" y="147050"/>
-            <a:ext cx="4550384" cy="3133006"/>
+            <a:off x="345599" y="119650"/>
+            <a:ext cx="4550384" cy="2549207"/>
           </a:xfrm>
         </p:spPr>
         <p:txBody>
@@ -708,7 +708,7 @@
           <a:p>
             <a:fld id="{E90ED720-0104-4369-84BC-D37694168613}" type="datetimeFigureOut">
               <a:rPr kumimoji="1" lang="ja-JP" altLang="en-US" smtClean="0"/>
-              <a:t>2016/2/2</a:t>
+              <a:t>2016/3/26</a:t>
             </a:fld>
             <a:endParaRPr kumimoji="1" lang="ja-JP" altLang="en-US"/>
           </a:p>
@@ -905,7 +905,7 @@
           <a:p>
             <a:fld id="{E90ED720-0104-4369-84BC-D37694168613}" type="datetimeFigureOut">
               <a:rPr kumimoji="1" lang="ja-JP" altLang="en-US" smtClean="0"/>
-              <a:t>2016/2/2</a:t>
+              <a:t>2016/3/26</a:t>
             </a:fld>
             <a:endParaRPr kumimoji="1" lang="ja-JP" altLang="en-US"/>
           </a:p>
@@ -990,15 +990,15 @@
         </p:nvSpPr>
         <p:spPr>
           <a:xfrm>
-            <a:off x="545999" y="2359535"/>
-            <a:ext cx="5875179" cy="729277"/>
+            <a:off x="545999" y="1919866"/>
+            <a:ext cx="5875179" cy="593385"/>
           </a:xfrm>
         </p:spPr>
         <p:txBody>
           <a:bodyPr anchor="t"/>
           <a:lstStyle>
             <a:lvl1pPr algn="l">
-              <a:defRPr sz="5600" b="1" cap="all"/>
+              <a:defRPr sz="5810" b="1" cap="all"/>
             </a:lvl1pPr>
           </a:lstStyle>
           <a:p>
@@ -1022,8 +1022,8 @@
         </p:nvSpPr>
         <p:spPr>
           <a:xfrm>
-            <a:off x="545999" y="1556307"/>
-            <a:ext cx="5875179" cy="803225"/>
+            <a:off x="545999" y="1266309"/>
+            <a:ext cx="5875179" cy="653554"/>
           </a:xfrm>
         </p:spPr>
         <p:txBody>
@@ -1031,7 +1031,7 @@
           <a:lstStyle>
             <a:lvl1pPr marL="0" indent="0">
               <a:buNone/>
-              <a:defRPr sz="2800">
+              <a:defRPr sz="2905">
                 <a:solidFill>
                   <a:schemeClr val="tx1">
                     <a:tint val="75000"/>
@@ -1039,9 +1039,9 @@
                 </a:solidFill>
               </a:defRPr>
             </a:lvl1pPr>
-            <a:lvl2pPr marL="640039" indent="0">
-              <a:buNone/>
-              <a:defRPr sz="2520">
+            <a:lvl2pPr marL="664040" indent="0">
+              <a:buNone/>
+              <a:defRPr sz="2615">
                 <a:solidFill>
                   <a:schemeClr val="tx1">
                     <a:tint val="75000"/>
@@ -1049,9 +1049,9 @@
                 </a:solidFill>
               </a:defRPr>
             </a:lvl2pPr>
-            <a:lvl3pPr marL="1280075" indent="0">
-              <a:buNone/>
-              <a:defRPr sz="2240">
+            <a:lvl3pPr marL="1328078" indent="0">
+              <a:buNone/>
+              <a:defRPr sz="2324">
                 <a:solidFill>
                   <a:schemeClr val="tx1">
                     <a:tint val="75000"/>
@@ -1059,9 +1059,9 @@
                 </a:solidFill>
               </a:defRPr>
             </a:lvl3pPr>
-            <a:lvl4pPr marL="1920112" indent="0">
-              <a:buNone/>
-              <a:defRPr sz="1960">
+            <a:lvl4pPr marL="1992116" indent="0">
+              <a:buNone/>
+              <a:defRPr sz="2034">
                 <a:solidFill>
                   <a:schemeClr val="tx1">
                     <a:tint val="75000"/>
@@ -1069,9 +1069,9 @@
                 </a:solidFill>
               </a:defRPr>
             </a:lvl4pPr>
-            <a:lvl5pPr marL="2560150" indent="0">
-              <a:buNone/>
-              <a:defRPr sz="1960">
+            <a:lvl5pPr marL="2656156" indent="0">
+              <a:buNone/>
+              <a:defRPr sz="2034">
                 <a:solidFill>
                   <a:schemeClr val="tx1">
                     <a:tint val="75000"/>
@@ -1079,9 +1079,9 @@
                 </a:solidFill>
               </a:defRPr>
             </a:lvl5pPr>
-            <a:lvl6pPr marL="3200189" indent="0">
-              <a:buNone/>
-              <a:defRPr sz="1960">
+            <a:lvl6pPr marL="3320196" indent="0">
+              <a:buNone/>
+              <a:defRPr sz="2034">
                 <a:solidFill>
                   <a:schemeClr val="tx1">
                     <a:tint val="75000"/>
@@ -1089,9 +1089,9 @@
                 </a:solidFill>
               </a:defRPr>
             </a:lvl6pPr>
-            <a:lvl7pPr marL="3840225" indent="0">
-              <a:buNone/>
-              <a:defRPr sz="1960">
+            <a:lvl7pPr marL="3984233" indent="0">
+              <a:buNone/>
+              <a:defRPr sz="2034">
                 <a:solidFill>
                   <a:schemeClr val="tx1">
                     <a:tint val="75000"/>
@@ -1099,9 +1099,9 @@
                 </a:solidFill>
               </a:defRPr>
             </a:lvl7pPr>
-            <a:lvl8pPr marL="4480262" indent="0">
-              <a:buNone/>
-              <a:defRPr sz="1960">
+            <a:lvl8pPr marL="4648272" indent="0">
+              <a:buNone/>
+              <a:defRPr sz="2034">
                 <a:solidFill>
                   <a:schemeClr val="tx1">
                     <a:tint val="75000"/>
@@ -1109,9 +1109,9 @@
                 </a:solidFill>
               </a:defRPr>
             </a:lvl8pPr>
-            <a:lvl9pPr marL="5120300" indent="0">
-              <a:buNone/>
-              <a:defRPr sz="1960">
+            <a:lvl9pPr marL="5312311" indent="0">
+              <a:buNone/>
+              <a:defRPr sz="2034">
                 <a:solidFill>
                   <a:schemeClr val="tx1">
                     <a:tint val="75000"/>
@@ -1146,7 +1146,7 @@
           <a:p>
             <a:fld id="{E90ED720-0104-4369-84BC-D37694168613}" type="datetimeFigureOut">
               <a:rPr kumimoji="1" lang="ja-JP" altLang="en-US" smtClean="0"/>
-              <a:t>2016/2/2</a:t>
+              <a:t>2016/3/26</a:t>
             </a:fld>
             <a:endParaRPr kumimoji="1" lang="ja-JP" altLang="en-US"/>
           </a:p>
@@ -1254,39 +1254,39 @@
         </p:nvSpPr>
         <p:spPr>
           <a:xfrm>
-            <a:off x="345599" y="856778"/>
-            <a:ext cx="3052789" cy="2423278"/>
+            <a:off x="345599" y="697129"/>
+            <a:ext cx="3052789" cy="1971729"/>
           </a:xfrm>
         </p:spPr>
         <p:txBody>
           <a:bodyPr/>
           <a:lstStyle>
             <a:lvl1pPr>
-              <a:defRPr sz="3920"/>
+              <a:defRPr sz="4067"/>
             </a:lvl1pPr>
             <a:lvl2pPr>
-              <a:defRPr sz="3361"/>
+              <a:defRPr sz="3487"/>
             </a:lvl2pPr>
             <a:lvl3pPr>
-              <a:defRPr sz="2800"/>
+              <a:defRPr sz="2905"/>
             </a:lvl3pPr>
             <a:lvl4pPr>
-              <a:defRPr sz="2520"/>
+              <a:defRPr sz="2615"/>
             </a:lvl4pPr>
             <a:lvl5pPr>
-              <a:defRPr sz="2520"/>
+              <a:defRPr sz="2615"/>
             </a:lvl5pPr>
             <a:lvl6pPr>
-              <a:defRPr sz="2520"/>
+              <a:defRPr sz="2615"/>
             </a:lvl6pPr>
             <a:lvl7pPr>
-              <a:defRPr sz="2520"/>
+              <a:defRPr sz="2615"/>
             </a:lvl7pPr>
             <a:lvl8pPr>
-              <a:defRPr sz="2520"/>
+              <a:defRPr sz="2615"/>
             </a:lvl8pPr>
             <a:lvl9pPr>
-              <a:defRPr sz="2520"/>
+              <a:defRPr sz="2615"/>
             </a:lvl9pPr>
           </a:lstStyle>
           <a:p>
@@ -1371,39 +1371,39 @@
         </p:nvSpPr>
         <p:spPr>
           <a:xfrm>
-            <a:off x="3513595" y="856778"/>
-            <a:ext cx="3052789" cy="2423278"/>
+            <a:off x="3513599" y="697129"/>
+            <a:ext cx="3052789" cy="1971729"/>
           </a:xfrm>
         </p:spPr>
         <p:txBody>
           <a:bodyPr/>
           <a:lstStyle>
             <a:lvl1pPr>
-              <a:defRPr sz="3920"/>
+              <a:defRPr sz="4067"/>
             </a:lvl1pPr>
             <a:lvl2pPr>
-              <a:defRPr sz="3361"/>
+              <a:defRPr sz="3487"/>
             </a:lvl2pPr>
             <a:lvl3pPr>
-              <a:defRPr sz="2800"/>
+              <a:defRPr sz="2905"/>
             </a:lvl3pPr>
             <a:lvl4pPr>
-              <a:defRPr sz="2520"/>
+              <a:defRPr sz="2615"/>
             </a:lvl4pPr>
             <a:lvl5pPr>
-              <a:defRPr sz="2520"/>
+              <a:defRPr sz="2615"/>
             </a:lvl5pPr>
             <a:lvl6pPr>
-              <a:defRPr sz="2520"/>
+              <a:defRPr sz="2615"/>
             </a:lvl6pPr>
             <a:lvl7pPr>
-              <a:defRPr sz="2520"/>
+              <a:defRPr sz="2615"/>
             </a:lvl7pPr>
             <a:lvl8pPr>
-              <a:defRPr sz="2520"/>
+              <a:defRPr sz="2615"/>
             </a:lvl8pPr>
             <a:lvl9pPr>
-              <a:defRPr sz="2520"/>
+              <a:defRPr sz="2615"/>
             </a:lvl9pPr>
           </a:lstStyle>
           <a:p>
@@ -1493,7 +1493,7 @@
           <a:p>
             <a:fld id="{E90ED720-0104-4369-84BC-D37694168613}" type="datetimeFigureOut">
               <a:rPr kumimoji="1" lang="ja-JP" altLang="en-US" smtClean="0"/>
-              <a:t>2016/2/2</a:t>
+              <a:t>2016/3/26</a:t>
             </a:fld>
             <a:endParaRPr kumimoji="1" lang="ja-JP" altLang="en-US"/>
           </a:p>
@@ -1605,8 +1605,8 @@
         </p:nvSpPr>
         <p:spPr>
           <a:xfrm>
-            <a:off x="345601" y="821927"/>
-            <a:ext cx="3053990" cy="342539"/>
+            <a:off x="345601" y="668772"/>
+            <a:ext cx="3053990" cy="278710"/>
           </a:xfrm>
         </p:spPr>
         <p:txBody>
@@ -1614,39 +1614,39 @@
           <a:lstStyle>
             <a:lvl1pPr marL="0" indent="0">
               <a:buNone/>
-              <a:defRPr sz="3361" b="1"/>
+              <a:defRPr sz="3487" b="1"/>
             </a:lvl1pPr>
-            <a:lvl2pPr marL="640039" indent="0">
-              <a:buNone/>
-              <a:defRPr sz="2800" b="1"/>
+            <a:lvl2pPr marL="664040" indent="0">
+              <a:buNone/>
+              <a:defRPr sz="2905" b="1"/>
             </a:lvl2pPr>
-            <a:lvl3pPr marL="1280075" indent="0">
-              <a:buNone/>
-              <a:defRPr sz="2520" b="1"/>
+            <a:lvl3pPr marL="1328078" indent="0">
+              <a:buNone/>
+              <a:defRPr sz="2615" b="1"/>
             </a:lvl3pPr>
-            <a:lvl4pPr marL="1920112" indent="0">
-              <a:buNone/>
-              <a:defRPr sz="2240" b="1"/>
+            <a:lvl4pPr marL="1992116" indent="0">
+              <a:buNone/>
+              <a:defRPr sz="2324" b="1"/>
             </a:lvl4pPr>
-            <a:lvl5pPr marL="2560150" indent="0">
-              <a:buNone/>
-              <a:defRPr sz="2240" b="1"/>
+            <a:lvl5pPr marL="2656156" indent="0">
+              <a:buNone/>
+              <a:defRPr sz="2324" b="1"/>
             </a:lvl5pPr>
-            <a:lvl6pPr marL="3200189" indent="0">
-              <a:buNone/>
-              <a:defRPr sz="2240" b="1"/>
+            <a:lvl6pPr marL="3320196" indent="0">
+              <a:buNone/>
+              <a:defRPr sz="2324" b="1"/>
             </a:lvl6pPr>
-            <a:lvl7pPr marL="3840225" indent="0">
-              <a:buNone/>
-              <a:defRPr sz="2240" b="1"/>
+            <a:lvl7pPr marL="3984233" indent="0">
+              <a:buNone/>
+              <a:defRPr sz="2324" b="1"/>
             </a:lvl7pPr>
-            <a:lvl8pPr marL="4480262" indent="0">
-              <a:buNone/>
-              <a:defRPr sz="2240" b="1"/>
+            <a:lvl8pPr marL="4648272" indent="0">
+              <a:buNone/>
+              <a:defRPr sz="2324" b="1"/>
             </a:lvl8pPr>
-            <a:lvl9pPr marL="5120300" indent="0">
-              <a:buNone/>
-              <a:defRPr sz="2240" b="1"/>
+            <a:lvl9pPr marL="5312311" indent="0">
+              <a:buNone/>
+              <a:defRPr sz="2324" b="1"/>
             </a:lvl9pPr>
           </a:lstStyle>
           <a:p>
@@ -1670,39 +1670,39 @@
         </p:nvSpPr>
         <p:spPr>
           <a:xfrm>
-            <a:off x="345601" y="1164464"/>
-            <a:ext cx="3053990" cy="2115586"/>
+            <a:off x="345601" y="947482"/>
+            <a:ext cx="3053990" cy="1721371"/>
           </a:xfrm>
         </p:spPr>
         <p:txBody>
           <a:bodyPr/>
           <a:lstStyle>
             <a:lvl1pPr>
-              <a:defRPr sz="3361"/>
+              <a:defRPr sz="3487"/>
             </a:lvl1pPr>
             <a:lvl2pPr>
-              <a:defRPr sz="2800"/>
+              <a:defRPr sz="2905"/>
             </a:lvl2pPr>
             <a:lvl3pPr>
-              <a:defRPr sz="2520"/>
+              <a:defRPr sz="2615"/>
             </a:lvl3pPr>
             <a:lvl4pPr>
-              <a:defRPr sz="2240"/>
+              <a:defRPr sz="2324"/>
             </a:lvl4pPr>
             <a:lvl5pPr>
-              <a:defRPr sz="2240"/>
+              <a:defRPr sz="2324"/>
             </a:lvl5pPr>
             <a:lvl6pPr>
-              <a:defRPr sz="2240"/>
+              <a:defRPr sz="2324"/>
             </a:lvl6pPr>
             <a:lvl7pPr>
-              <a:defRPr sz="2240"/>
+              <a:defRPr sz="2324"/>
             </a:lvl7pPr>
             <a:lvl8pPr>
-              <a:defRPr sz="2240"/>
+              <a:defRPr sz="2324"/>
             </a:lvl8pPr>
             <a:lvl9pPr>
-              <a:defRPr sz="2240"/>
+              <a:defRPr sz="2324"/>
             </a:lvl9pPr>
           </a:lstStyle>
           <a:p>
@@ -1787,8 +1787,8 @@
         </p:nvSpPr>
         <p:spPr>
           <a:xfrm>
-            <a:off x="3511197" y="821927"/>
-            <a:ext cx="3055189" cy="342539"/>
+            <a:off x="3511201" y="668772"/>
+            <a:ext cx="3055189" cy="278710"/>
           </a:xfrm>
         </p:spPr>
         <p:txBody>
@@ -1796,39 +1796,39 @@
           <a:lstStyle>
             <a:lvl1pPr marL="0" indent="0">
               <a:buNone/>
-              <a:defRPr sz="3361" b="1"/>
+              <a:defRPr sz="3487" b="1"/>
             </a:lvl1pPr>
-            <a:lvl2pPr marL="640039" indent="0">
-              <a:buNone/>
-              <a:defRPr sz="2800" b="1"/>
+            <a:lvl2pPr marL="664040" indent="0">
+              <a:buNone/>
+              <a:defRPr sz="2905" b="1"/>
             </a:lvl2pPr>
-            <a:lvl3pPr marL="1280075" indent="0">
-              <a:buNone/>
-              <a:defRPr sz="2520" b="1"/>
+            <a:lvl3pPr marL="1328078" indent="0">
+              <a:buNone/>
+              <a:defRPr sz="2615" b="1"/>
             </a:lvl3pPr>
-            <a:lvl4pPr marL="1920112" indent="0">
-              <a:buNone/>
-              <a:defRPr sz="2240" b="1"/>
+            <a:lvl4pPr marL="1992116" indent="0">
+              <a:buNone/>
+              <a:defRPr sz="2324" b="1"/>
             </a:lvl4pPr>
-            <a:lvl5pPr marL="2560150" indent="0">
-              <a:buNone/>
-              <a:defRPr sz="2240" b="1"/>
+            <a:lvl5pPr marL="2656156" indent="0">
+              <a:buNone/>
+              <a:defRPr sz="2324" b="1"/>
             </a:lvl5pPr>
-            <a:lvl6pPr marL="3200189" indent="0">
-              <a:buNone/>
-              <a:defRPr sz="2240" b="1"/>
+            <a:lvl6pPr marL="3320196" indent="0">
+              <a:buNone/>
+              <a:defRPr sz="2324" b="1"/>
             </a:lvl6pPr>
-            <a:lvl7pPr marL="3840225" indent="0">
-              <a:buNone/>
-              <a:defRPr sz="2240" b="1"/>
+            <a:lvl7pPr marL="3984233" indent="0">
+              <a:buNone/>
+              <a:defRPr sz="2324" b="1"/>
             </a:lvl7pPr>
-            <a:lvl8pPr marL="4480262" indent="0">
-              <a:buNone/>
-              <a:defRPr sz="2240" b="1"/>
+            <a:lvl8pPr marL="4648272" indent="0">
+              <a:buNone/>
+              <a:defRPr sz="2324" b="1"/>
             </a:lvl8pPr>
-            <a:lvl9pPr marL="5120300" indent="0">
-              <a:buNone/>
-              <a:defRPr sz="2240" b="1"/>
+            <a:lvl9pPr marL="5312311" indent="0">
+              <a:buNone/>
+              <a:defRPr sz="2324" b="1"/>
             </a:lvl9pPr>
           </a:lstStyle>
           <a:p>
@@ -1852,39 +1852,39 @@
         </p:nvSpPr>
         <p:spPr>
           <a:xfrm>
-            <a:off x="3511197" y="1164464"/>
-            <a:ext cx="3055189" cy="2115586"/>
+            <a:off x="3511201" y="947482"/>
+            <a:ext cx="3055189" cy="1721371"/>
           </a:xfrm>
         </p:spPr>
         <p:txBody>
           <a:bodyPr/>
           <a:lstStyle>
             <a:lvl1pPr>
-              <a:defRPr sz="3361"/>
+              <a:defRPr sz="3487"/>
             </a:lvl1pPr>
             <a:lvl2pPr>
-              <a:defRPr sz="2800"/>
+              <a:defRPr sz="2905"/>
             </a:lvl2pPr>
             <a:lvl3pPr>
-              <a:defRPr sz="2520"/>
+              <a:defRPr sz="2615"/>
             </a:lvl3pPr>
             <a:lvl4pPr>
-              <a:defRPr sz="2240"/>
+              <a:defRPr sz="2324"/>
             </a:lvl4pPr>
             <a:lvl5pPr>
-              <a:defRPr sz="2240"/>
+              <a:defRPr sz="2324"/>
             </a:lvl5pPr>
             <a:lvl6pPr>
-              <a:defRPr sz="2240"/>
+              <a:defRPr sz="2324"/>
             </a:lvl6pPr>
             <a:lvl7pPr>
-              <a:defRPr sz="2240"/>
+              <a:defRPr sz="2324"/>
             </a:lvl7pPr>
             <a:lvl8pPr>
-              <a:defRPr sz="2240"/>
+              <a:defRPr sz="2324"/>
             </a:lvl8pPr>
             <a:lvl9pPr>
-              <a:defRPr sz="2240"/>
+              <a:defRPr sz="2324"/>
             </a:lvl9pPr>
           </a:lstStyle>
           <a:p>
@@ -1974,7 +1974,7 @@
           <a:p>
             <a:fld id="{E90ED720-0104-4369-84BC-D37694168613}" type="datetimeFigureOut">
               <a:rPr kumimoji="1" lang="ja-JP" altLang="en-US" smtClean="0"/>
-              <a:t>2016/2/2</a:t>
+              <a:t>2016/3/26</a:t>
             </a:fld>
             <a:endParaRPr kumimoji="1" lang="ja-JP" altLang="en-US"/>
           </a:p>
@@ -2087,7 +2087,7 @@
           <a:p>
             <a:fld id="{E90ED720-0104-4369-84BC-D37694168613}" type="datetimeFigureOut">
               <a:rPr kumimoji="1" lang="ja-JP" altLang="en-US" smtClean="0"/>
-              <a:t>2016/2/2</a:t>
+              <a:t>2016/3/26</a:t>
             </a:fld>
             <a:endParaRPr kumimoji="1" lang="ja-JP" altLang="en-US"/>
           </a:p>
@@ -2177,7 +2177,7 @@
           <a:p>
             <a:fld id="{E90ED720-0104-4369-84BC-D37694168613}" type="datetimeFigureOut">
               <a:rPr kumimoji="1" lang="ja-JP" altLang="en-US" smtClean="0"/>
-              <a:t>2016/2/2</a:t>
+              <a:t>2016/3/26</a:t>
             </a:fld>
             <a:endParaRPr kumimoji="1" lang="ja-JP" altLang="en-US"/>
           </a:p>
@@ -2262,15 +2262,15 @@
         </p:nvSpPr>
         <p:spPr>
           <a:xfrm>
-            <a:off x="345607" y="146194"/>
-            <a:ext cx="2273991" cy="622182"/>
+            <a:off x="345611" y="118953"/>
+            <a:ext cx="2273991" cy="506246"/>
           </a:xfrm>
         </p:spPr>
         <p:txBody>
           <a:bodyPr anchor="b"/>
           <a:lstStyle>
             <a:lvl1pPr algn="l">
-              <a:defRPr sz="2800" b="1"/>
+              <a:defRPr sz="2905" b="1"/>
             </a:lvl1pPr>
           </a:lstStyle>
           <a:p>
@@ -2294,39 +2294,39 @@
         </p:nvSpPr>
         <p:spPr>
           <a:xfrm>
-            <a:off x="2702391" y="146200"/>
-            <a:ext cx="3863986" cy="3133855"/>
+            <a:off x="2702391" y="118958"/>
+            <a:ext cx="3863986" cy="2549898"/>
           </a:xfrm>
         </p:spPr>
         <p:txBody>
           <a:bodyPr/>
           <a:lstStyle>
             <a:lvl1pPr>
-              <a:defRPr sz="4480"/>
+              <a:defRPr sz="4648"/>
             </a:lvl1pPr>
             <a:lvl2pPr>
-              <a:defRPr sz="3920"/>
+              <a:defRPr sz="4067"/>
             </a:lvl2pPr>
             <a:lvl3pPr>
-              <a:defRPr sz="3361"/>
+              <a:defRPr sz="3487"/>
             </a:lvl3pPr>
             <a:lvl4pPr>
-              <a:defRPr sz="2800"/>
+              <a:defRPr sz="2905"/>
             </a:lvl4pPr>
             <a:lvl5pPr>
-              <a:defRPr sz="2800"/>
+              <a:defRPr sz="2905"/>
             </a:lvl5pPr>
             <a:lvl6pPr>
-              <a:defRPr sz="2800"/>
+              <a:defRPr sz="2905"/>
             </a:lvl6pPr>
             <a:lvl7pPr>
-              <a:defRPr sz="2800"/>
+              <a:defRPr sz="2905"/>
             </a:lvl7pPr>
             <a:lvl8pPr>
-              <a:defRPr sz="2800"/>
+              <a:defRPr sz="2905"/>
             </a:lvl8pPr>
             <a:lvl9pPr>
-              <a:defRPr sz="2800"/>
+              <a:defRPr sz="2905"/>
             </a:lvl9pPr>
           </a:lstStyle>
           <a:p>
@@ -2411,8 +2411,8 @@
         </p:nvSpPr>
         <p:spPr>
           <a:xfrm>
-            <a:off x="345607" y="768380"/>
-            <a:ext cx="2273991" cy="2511674"/>
+            <a:off x="345611" y="625202"/>
+            <a:ext cx="2273991" cy="2043654"/>
           </a:xfrm>
         </p:spPr>
         <p:txBody>
@@ -2420,39 +2420,39 @@
           <a:lstStyle>
             <a:lvl1pPr marL="0" indent="0">
               <a:buNone/>
-              <a:defRPr sz="1960"/>
+              <a:defRPr sz="2034"/>
             </a:lvl1pPr>
-            <a:lvl2pPr marL="640039" indent="0">
-              <a:buNone/>
-              <a:defRPr sz="1680"/>
+            <a:lvl2pPr marL="664040" indent="0">
+              <a:buNone/>
+              <a:defRPr sz="1743"/>
             </a:lvl2pPr>
-            <a:lvl3pPr marL="1280075" indent="0">
-              <a:buNone/>
-              <a:defRPr sz="1400"/>
+            <a:lvl3pPr marL="1328078" indent="0">
+              <a:buNone/>
+              <a:defRPr sz="1453"/>
             </a:lvl3pPr>
-            <a:lvl4pPr marL="1920112" indent="0">
-              <a:buNone/>
-              <a:defRPr sz="1260"/>
+            <a:lvl4pPr marL="1992116" indent="0">
+              <a:buNone/>
+              <a:defRPr sz="1307"/>
             </a:lvl4pPr>
-            <a:lvl5pPr marL="2560150" indent="0">
-              <a:buNone/>
-              <a:defRPr sz="1260"/>
+            <a:lvl5pPr marL="2656156" indent="0">
+              <a:buNone/>
+              <a:defRPr sz="1307"/>
             </a:lvl5pPr>
-            <a:lvl6pPr marL="3200189" indent="0">
-              <a:buNone/>
-              <a:defRPr sz="1260"/>
+            <a:lvl6pPr marL="3320196" indent="0">
+              <a:buNone/>
+              <a:defRPr sz="1307"/>
             </a:lvl6pPr>
-            <a:lvl7pPr marL="3840225" indent="0">
-              <a:buNone/>
-              <a:defRPr sz="1260"/>
+            <a:lvl7pPr marL="3984233" indent="0">
+              <a:buNone/>
+              <a:defRPr sz="1307"/>
             </a:lvl7pPr>
-            <a:lvl8pPr marL="4480262" indent="0">
-              <a:buNone/>
-              <a:defRPr sz="1260"/>
+            <a:lvl8pPr marL="4648272" indent="0">
+              <a:buNone/>
+              <a:defRPr sz="1307"/>
             </a:lvl8pPr>
-            <a:lvl9pPr marL="5120300" indent="0">
-              <a:buNone/>
-              <a:defRPr sz="1260"/>
+            <a:lvl9pPr marL="5312311" indent="0">
+              <a:buNone/>
+              <a:defRPr sz="1307"/>
             </a:lvl9pPr>
           </a:lstStyle>
           <a:p>
@@ -2481,7 +2481,7 @@
           <a:p>
             <a:fld id="{E90ED720-0104-4369-84BC-D37694168613}" type="datetimeFigureOut">
               <a:rPr kumimoji="1" lang="ja-JP" altLang="en-US" smtClean="0"/>
-              <a:t>2016/2/2</a:t>
+              <a:t>2016/3/26</a:t>
             </a:fld>
             <a:endParaRPr kumimoji="1" lang="ja-JP" altLang="en-US"/>
           </a:p>
@@ -2566,15 +2566,15 @@
         </p:nvSpPr>
         <p:spPr>
           <a:xfrm>
-            <a:off x="1354802" y="2570324"/>
-            <a:ext cx="4147185" cy="303441"/>
+            <a:off x="1354806" y="2091374"/>
+            <a:ext cx="4147185" cy="246899"/>
           </a:xfrm>
         </p:spPr>
         <p:txBody>
           <a:bodyPr anchor="b"/>
           <a:lstStyle>
             <a:lvl1pPr algn="l">
-              <a:defRPr sz="2800" b="1"/>
+              <a:defRPr sz="2905" b="1"/>
             </a:lvl1pPr>
           </a:lstStyle>
           <a:p>
@@ -2598,8 +2598,8 @@
         </p:nvSpPr>
         <p:spPr>
           <a:xfrm>
-            <a:off x="1354802" y="328092"/>
-            <a:ext cx="4147185" cy="2203133"/>
+            <a:off x="1354806" y="266958"/>
+            <a:ext cx="4147185" cy="1792605"/>
           </a:xfrm>
         </p:spPr>
         <p:txBody>
@@ -2607,39 +2607,39 @@
           <a:lstStyle>
             <a:lvl1pPr marL="0" indent="0">
               <a:buNone/>
-              <a:defRPr sz="4480"/>
+              <a:defRPr sz="4648"/>
             </a:lvl1pPr>
-            <a:lvl2pPr marL="640039" indent="0">
-              <a:buNone/>
-              <a:defRPr sz="3920"/>
+            <a:lvl2pPr marL="664040" indent="0">
+              <a:buNone/>
+              <a:defRPr sz="4067"/>
             </a:lvl2pPr>
-            <a:lvl3pPr marL="1280075" indent="0">
-              <a:buNone/>
-              <a:defRPr sz="3361"/>
+            <a:lvl3pPr marL="1328078" indent="0">
+              <a:buNone/>
+              <a:defRPr sz="3487"/>
             </a:lvl3pPr>
-            <a:lvl4pPr marL="1920112" indent="0">
-              <a:buNone/>
-              <a:defRPr sz="2800"/>
+            <a:lvl4pPr marL="1992116" indent="0">
+              <a:buNone/>
+              <a:defRPr sz="2905"/>
             </a:lvl4pPr>
-            <a:lvl5pPr marL="2560150" indent="0">
-              <a:buNone/>
-              <a:defRPr sz="2800"/>
+            <a:lvl5pPr marL="2656156" indent="0">
+              <a:buNone/>
+              <a:defRPr sz="2905"/>
             </a:lvl5pPr>
-            <a:lvl6pPr marL="3200189" indent="0">
-              <a:buNone/>
-              <a:defRPr sz="2800"/>
+            <a:lvl6pPr marL="3320196" indent="0">
+              <a:buNone/>
+              <a:defRPr sz="2905"/>
             </a:lvl6pPr>
-            <a:lvl7pPr marL="3840225" indent="0">
-              <a:buNone/>
-              <a:defRPr sz="2800"/>
+            <a:lvl7pPr marL="3984233" indent="0">
+              <a:buNone/>
+              <a:defRPr sz="2905"/>
             </a:lvl7pPr>
-            <a:lvl8pPr marL="4480262" indent="0">
-              <a:buNone/>
-              <a:defRPr sz="2800"/>
+            <a:lvl8pPr marL="4648272" indent="0">
+              <a:buNone/>
+              <a:defRPr sz="2905"/>
             </a:lvl8pPr>
-            <a:lvl9pPr marL="5120300" indent="0">
-              <a:buNone/>
-              <a:defRPr sz="2800"/>
+            <a:lvl9pPr marL="5312311" indent="0">
+              <a:buNone/>
+              <a:defRPr sz="2905"/>
             </a:lvl9pPr>
           </a:lstStyle>
           <a:p>
@@ -2659,8 +2659,8 @@
         </p:nvSpPr>
         <p:spPr>
           <a:xfrm>
-            <a:off x="1354802" y="2873768"/>
-            <a:ext cx="4147185" cy="430937"/>
+            <a:off x="1354806" y="2338276"/>
+            <a:ext cx="4147185" cy="350637"/>
           </a:xfrm>
         </p:spPr>
         <p:txBody>
@@ -2668,39 +2668,39 @@
           <a:lstStyle>
             <a:lvl1pPr marL="0" indent="0">
               <a:buNone/>
-              <a:defRPr sz="1960"/>
+              <a:defRPr sz="2034"/>
             </a:lvl1pPr>
-            <a:lvl2pPr marL="640039" indent="0">
-              <a:buNone/>
-              <a:defRPr sz="1680"/>
+            <a:lvl2pPr marL="664040" indent="0">
+              <a:buNone/>
+              <a:defRPr sz="1743"/>
             </a:lvl2pPr>
-            <a:lvl3pPr marL="1280075" indent="0">
-              <a:buNone/>
-              <a:defRPr sz="1400"/>
+            <a:lvl3pPr marL="1328078" indent="0">
+              <a:buNone/>
+              <a:defRPr sz="1453"/>
             </a:lvl3pPr>
-            <a:lvl4pPr marL="1920112" indent="0">
-              <a:buNone/>
-              <a:defRPr sz="1260"/>
+            <a:lvl4pPr marL="1992116" indent="0">
+              <a:buNone/>
+              <a:defRPr sz="1307"/>
             </a:lvl4pPr>
-            <a:lvl5pPr marL="2560150" indent="0">
-              <a:buNone/>
-              <a:defRPr sz="1260"/>
+            <a:lvl5pPr marL="2656156" indent="0">
+              <a:buNone/>
+              <a:defRPr sz="1307"/>
             </a:lvl5pPr>
-            <a:lvl6pPr marL="3200189" indent="0">
-              <a:buNone/>
-              <a:defRPr sz="1260"/>
+            <a:lvl6pPr marL="3320196" indent="0">
+              <a:buNone/>
+              <a:defRPr sz="1307"/>
             </a:lvl6pPr>
-            <a:lvl7pPr marL="3840225" indent="0">
-              <a:buNone/>
-              <a:defRPr sz="1260"/>
+            <a:lvl7pPr marL="3984233" indent="0">
+              <a:buNone/>
+              <a:defRPr sz="1307"/>
             </a:lvl7pPr>
-            <a:lvl8pPr marL="4480262" indent="0">
-              <a:buNone/>
-              <a:defRPr sz="1260"/>
+            <a:lvl8pPr marL="4648272" indent="0">
+              <a:buNone/>
+              <a:defRPr sz="1307"/>
             </a:lvl8pPr>
-            <a:lvl9pPr marL="5120300" indent="0">
-              <a:buNone/>
-              <a:defRPr sz="1260"/>
+            <a:lvl9pPr marL="5312311" indent="0">
+              <a:buNone/>
+              <a:defRPr sz="1307"/>
             </a:lvl9pPr>
           </a:lstStyle>
           <a:p>
@@ -2729,7 +2729,7 @@
           <a:p>
             <a:fld id="{E90ED720-0104-4369-84BC-D37694168613}" type="datetimeFigureOut">
               <a:rPr kumimoji="1" lang="ja-JP" altLang="en-US" smtClean="0"/>
-              <a:t>2016/2/2</a:t>
+              <a:t>2016/3/26</a:t>
             </a:fld>
             <a:endParaRPr kumimoji="1" lang="ja-JP" altLang="en-US"/>
           </a:p>
@@ -2819,8 +2819,8 @@
         </p:nvSpPr>
         <p:spPr>
           <a:xfrm>
-            <a:off x="345599" y="147052"/>
-            <a:ext cx="6220778" cy="611982"/>
+            <a:off x="345599" y="119651"/>
+            <a:ext cx="6220778" cy="497947"/>
           </a:xfrm>
           <a:prstGeom prst="rect">
             <a:avLst/>
@@ -2852,8 +2852,8 @@
         </p:nvSpPr>
         <p:spPr>
           <a:xfrm>
-            <a:off x="345599" y="856778"/>
-            <a:ext cx="6220778" cy="2423278"/>
+            <a:off x="345599" y="697129"/>
+            <a:ext cx="6220778" cy="1971729"/>
           </a:xfrm>
           <a:prstGeom prst="rect">
             <a:avLst/>
@@ -2946,8 +2946,8 @@
         </p:nvSpPr>
         <p:spPr>
           <a:xfrm>
-            <a:off x="345599" y="3403301"/>
-            <a:ext cx="1612794" cy="195494"/>
+            <a:off x="345599" y="2769138"/>
+            <a:ext cx="1612794" cy="159065"/>
           </a:xfrm>
           <a:prstGeom prst="rect">
             <a:avLst/>
@@ -2957,7 +2957,7 @@
           <a:bodyPr vert="horz" lIns="91440" tIns="45720" rIns="91440" bIns="45720" rtlCol="0" anchor="ctr"/>
           <a:lstStyle>
             <a:lvl1pPr algn="l">
-              <a:defRPr sz="1680">
+              <a:defRPr sz="1743">
                 <a:solidFill>
                   <a:schemeClr val="tx1">
                     <a:tint val="75000"/>
@@ -2969,7 +2969,7 @@
           <a:p>
             <a:fld id="{E90ED720-0104-4369-84BC-D37694168613}" type="datetimeFigureOut">
               <a:rPr kumimoji="1" lang="ja-JP" altLang="en-US" smtClean="0"/>
-              <a:t>2016/2/2</a:t>
+              <a:t>2016/3/26</a:t>
             </a:fld>
             <a:endParaRPr kumimoji="1" lang="ja-JP" altLang="en-US"/>
           </a:p>
@@ -2987,8 +2987,8 @@
         </p:nvSpPr>
         <p:spPr>
           <a:xfrm>
-            <a:off x="2361592" y="3403301"/>
-            <a:ext cx="2188792" cy="195494"/>
+            <a:off x="2361592" y="2769138"/>
+            <a:ext cx="2188792" cy="159065"/>
           </a:xfrm>
           <a:prstGeom prst="rect">
             <a:avLst/>
@@ -2998,7 +2998,7 @@
           <a:bodyPr vert="horz" lIns="91440" tIns="45720" rIns="91440" bIns="45720" rtlCol="0" anchor="ctr"/>
           <a:lstStyle>
             <a:lvl1pPr algn="ctr">
-              <a:defRPr sz="1680">
+              <a:defRPr sz="1743">
                 <a:solidFill>
                   <a:schemeClr val="tx1">
                     <a:tint val="75000"/>
@@ -3024,8 +3024,8 @@
         </p:nvSpPr>
         <p:spPr>
           <a:xfrm>
-            <a:off x="4953582" y="3403301"/>
-            <a:ext cx="1612794" cy="195494"/>
+            <a:off x="4953582" y="2769138"/>
+            <a:ext cx="1612794" cy="159065"/>
           </a:xfrm>
           <a:prstGeom prst="rect">
             <a:avLst/>
@@ -3035,7 +3035,7 @@
           <a:bodyPr vert="horz" lIns="91440" tIns="45720" rIns="91440" bIns="45720" rtlCol="0" anchor="ctr"/>
           <a:lstStyle>
             <a:lvl1pPr algn="r">
-              <a:defRPr sz="1680">
+              <a:defRPr sz="1743">
                 <a:solidFill>
                   <a:schemeClr val="tx1">
                     <a:tint val="75000"/>
@@ -3071,12 +3071,12 @@
   </p:sldLayoutIdLst>
   <p:txStyles>
     <p:titleStyle>
-      <a:lvl1pPr algn="ctr" defTabSz="1280075" rtl="0" eaLnBrk="1" latinLnBrk="0" hangingPunct="1">
+      <a:lvl1pPr algn="ctr" defTabSz="1328078" rtl="0" eaLnBrk="1" latinLnBrk="0" hangingPunct="1">
         <a:spcBef>
           <a:spcPct val="0"/>
         </a:spcBef>
         <a:buNone/>
-        <a:defRPr kumimoji="1" sz="6160" kern="1200">
+        <a:defRPr kumimoji="1" sz="6391" kern="1200">
           <a:solidFill>
             <a:schemeClr val="tx1"/>
           </a:solidFill>
@@ -3087,13 +3087,13 @@
       </a:lvl1pPr>
     </p:titleStyle>
     <p:bodyStyle>
-      <a:lvl1pPr marL="480028" indent="-480028" algn="l" defTabSz="1280075" rtl="0" eaLnBrk="1" latinLnBrk="0" hangingPunct="1">
+      <a:lvl1pPr marL="498029" indent="-498029" algn="l" defTabSz="1328078" rtl="0" eaLnBrk="1" latinLnBrk="0" hangingPunct="1">
         <a:spcBef>
           <a:spcPct val="20000"/>
         </a:spcBef>
         <a:buFont typeface="Arial" pitchFamily="34" charset="0"/>
         <a:buChar char="•"/>
-        <a:defRPr kumimoji="1" sz="4480" kern="1200">
+        <a:defRPr kumimoji="1" sz="4648" kern="1200">
           <a:solidFill>
             <a:schemeClr val="tx1"/>
           </a:solidFill>
@@ -3102,13 +3102,13 @@
           <a:cs typeface="+mn-cs"/>
         </a:defRPr>
       </a:lvl1pPr>
-      <a:lvl2pPr marL="1040059" indent="-400022" algn="l" defTabSz="1280075" rtl="0" eaLnBrk="1" latinLnBrk="0" hangingPunct="1">
+      <a:lvl2pPr marL="1079061" indent="-415023" algn="l" defTabSz="1328078" rtl="0" eaLnBrk="1" latinLnBrk="0" hangingPunct="1">
         <a:spcBef>
           <a:spcPct val="20000"/>
         </a:spcBef>
         <a:buFont typeface="Arial" pitchFamily="34" charset="0"/>
         <a:buChar char="–"/>
-        <a:defRPr kumimoji="1" sz="3920" kern="1200">
+        <a:defRPr kumimoji="1" sz="4067" kern="1200">
           <a:solidFill>
             <a:schemeClr val="tx1"/>
           </a:solidFill>
@@ -3117,13 +3117,13 @@
           <a:cs typeface="+mn-cs"/>
         </a:defRPr>
       </a:lvl2pPr>
-      <a:lvl3pPr marL="1600093" indent="-320018" algn="l" defTabSz="1280075" rtl="0" eaLnBrk="1" latinLnBrk="0" hangingPunct="1">
+      <a:lvl3pPr marL="1660096" indent="-332019" algn="l" defTabSz="1328078" rtl="0" eaLnBrk="1" latinLnBrk="0" hangingPunct="1">
         <a:spcBef>
           <a:spcPct val="20000"/>
         </a:spcBef>
         <a:buFont typeface="Arial" pitchFamily="34" charset="0"/>
         <a:buChar char="•"/>
-        <a:defRPr kumimoji="1" sz="3361" kern="1200">
+        <a:defRPr kumimoji="1" sz="3487" kern="1200">
           <a:solidFill>
             <a:schemeClr val="tx1"/>
           </a:solidFill>
@@ -3132,13 +3132,13 @@
           <a:cs typeface="+mn-cs"/>
         </a:defRPr>
       </a:lvl3pPr>
-      <a:lvl4pPr marL="2240132" indent="-320018" algn="l" defTabSz="1280075" rtl="0" eaLnBrk="1" latinLnBrk="0" hangingPunct="1">
+      <a:lvl4pPr marL="2324137" indent="-332019" algn="l" defTabSz="1328078" rtl="0" eaLnBrk="1" latinLnBrk="0" hangingPunct="1">
         <a:spcBef>
           <a:spcPct val="20000"/>
         </a:spcBef>
         <a:buFont typeface="Arial" pitchFamily="34" charset="0"/>
         <a:buChar char="–"/>
-        <a:defRPr kumimoji="1" sz="2800" kern="1200">
+        <a:defRPr kumimoji="1" sz="2905" kern="1200">
           <a:solidFill>
             <a:schemeClr val="tx1"/>
           </a:solidFill>
@@ -3147,13 +3147,13 @@
           <a:cs typeface="+mn-cs"/>
         </a:defRPr>
       </a:lvl4pPr>
-      <a:lvl5pPr marL="2880170" indent="-320018" algn="l" defTabSz="1280075" rtl="0" eaLnBrk="1" latinLnBrk="0" hangingPunct="1">
+      <a:lvl5pPr marL="2988176" indent="-332019" algn="l" defTabSz="1328078" rtl="0" eaLnBrk="1" latinLnBrk="0" hangingPunct="1">
         <a:spcBef>
           <a:spcPct val="20000"/>
         </a:spcBef>
         <a:buFont typeface="Arial" pitchFamily="34" charset="0"/>
         <a:buChar char="»"/>
-        <a:defRPr kumimoji="1" sz="2800" kern="1200">
+        <a:defRPr kumimoji="1" sz="2905" kern="1200">
           <a:solidFill>
             <a:schemeClr val="tx1"/>
           </a:solidFill>
@@ -3162,13 +3162,13 @@
           <a:cs typeface="+mn-cs"/>
         </a:defRPr>
       </a:lvl5pPr>
-      <a:lvl6pPr marL="3520207" indent="-320018" algn="l" defTabSz="1280075" rtl="0" eaLnBrk="1" latinLnBrk="0" hangingPunct="1">
+      <a:lvl6pPr marL="3652215" indent="-332019" algn="l" defTabSz="1328078" rtl="0" eaLnBrk="1" latinLnBrk="0" hangingPunct="1">
         <a:spcBef>
           <a:spcPct val="20000"/>
         </a:spcBef>
         <a:buFont typeface="Arial" pitchFamily="34" charset="0"/>
         <a:buChar char="•"/>
-        <a:defRPr kumimoji="1" sz="2800" kern="1200">
+        <a:defRPr kumimoji="1" sz="2905" kern="1200">
           <a:solidFill>
             <a:schemeClr val="tx1"/>
           </a:solidFill>
@@ -3177,13 +3177,13 @@
           <a:cs typeface="+mn-cs"/>
         </a:defRPr>
       </a:lvl6pPr>
-      <a:lvl7pPr marL="4160243" indent="-320018" algn="l" defTabSz="1280075" rtl="0" eaLnBrk="1" latinLnBrk="0" hangingPunct="1">
+      <a:lvl7pPr marL="4316252" indent="-332019" algn="l" defTabSz="1328078" rtl="0" eaLnBrk="1" latinLnBrk="0" hangingPunct="1">
         <a:spcBef>
           <a:spcPct val="20000"/>
         </a:spcBef>
         <a:buFont typeface="Arial" pitchFamily="34" charset="0"/>
         <a:buChar char="•"/>
-        <a:defRPr kumimoji="1" sz="2800" kern="1200">
+        <a:defRPr kumimoji="1" sz="2905" kern="1200">
           <a:solidFill>
             <a:schemeClr val="tx1"/>
           </a:solidFill>
@@ -3192,13 +3192,13 @@
           <a:cs typeface="+mn-cs"/>
         </a:defRPr>
       </a:lvl7pPr>
-      <a:lvl8pPr marL="4800281" indent="-320018" algn="l" defTabSz="1280075" rtl="0" eaLnBrk="1" latinLnBrk="0" hangingPunct="1">
+      <a:lvl8pPr marL="4980292" indent="-332019" algn="l" defTabSz="1328078" rtl="0" eaLnBrk="1" latinLnBrk="0" hangingPunct="1">
         <a:spcBef>
           <a:spcPct val="20000"/>
         </a:spcBef>
         <a:buFont typeface="Arial" pitchFamily="34" charset="0"/>
         <a:buChar char="•"/>
-        <a:defRPr kumimoji="1" sz="2800" kern="1200">
+        <a:defRPr kumimoji="1" sz="2905" kern="1200">
           <a:solidFill>
             <a:schemeClr val="tx1"/>
           </a:solidFill>
@@ -3207,13 +3207,13 @@
           <a:cs typeface="+mn-cs"/>
         </a:defRPr>
       </a:lvl8pPr>
-      <a:lvl9pPr marL="5440319" indent="-320018" algn="l" defTabSz="1280075" rtl="0" eaLnBrk="1" latinLnBrk="0" hangingPunct="1">
+      <a:lvl9pPr marL="5644331" indent="-332019" algn="l" defTabSz="1328078" rtl="0" eaLnBrk="1" latinLnBrk="0" hangingPunct="1">
         <a:spcBef>
           <a:spcPct val="20000"/>
         </a:spcBef>
         <a:buFont typeface="Arial" pitchFamily="34" charset="0"/>
         <a:buChar char="•"/>
-        <a:defRPr kumimoji="1" sz="2800" kern="1200">
+        <a:defRPr kumimoji="1" sz="2905" kern="1200">
           <a:solidFill>
             <a:schemeClr val="tx1"/>
           </a:solidFill>
@@ -3227,8 +3227,8 @@
       <a:defPPr>
         <a:defRPr lang="ja-JP"/>
       </a:defPPr>
-      <a:lvl1pPr marL="0" algn="l" defTabSz="1280075" rtl="0" eaLnBrk="1" latinLnBrk="0" hangingPunct="1">
-        <a:defRPr kumimoji="1" sz="2520" kern="1200">
+      <a:lvl1pPr marL="0" algn="l" defTabSz="1328078" rtl="0" eaLnBrk="1" latinLnBrk="0" hangingPunct="1">
+        <a:defRPr kumimoji="1" sz="2615" kern="1200">
           <a:solidFill>
             <a:schemeClr val="tx1"/>
           </a:solidFill>
@@ -3237,8 +3237,8 @@
           <a:cs typeface="+mn-cs"/>
         </a:defRPr>
       </a:lvl1pPr>
-      <a:lvl2pPr marL="640039" algn="l" defTabSz="1280075" rtl="0" eaLnBrk="1" latinLnBrk="0" hangingPunct="1">
-        <a:defRPr kumimoji="1" sz="2520" kern="1200">
+      <a:lvl2pPr marL="664040" algn="l" defTabSz="1328078" rtl="0" eaLnBrk="1" latinLnBrk="0" hangingPunct="1">
+        <a:defRPr kumimoji="1" sz="2615" kern="1200">
           <a:solidFill>
             <a:schemeClr val="tx1"/>
           </a:solidFill>
@@ -3247,8 +3247,8 @@
           <a:cs typeface="+mn-cs"/>
         </a:defRPr>
       </a:lvl2pPr>
-      <a:lvl3pPr marL="1280075" algn="l" defTabSz="1280075" rtl="0" eaLnBrk="1" latinLnBrk="0" hangingPunct="1">
-        <a:defRPr kumimoji="1" sz="2520" kern="1200">
+      <a:lvl3pPr marL="1328078" algn="l" defTabSz="1328078" rtl="0" eaLnBrk="1" latinLnBrk="0" hangingPunct="1">
+        <a:defRPr kumimoji="1" sz="2615" kern="1200">
           <a:solidFill>
             <a:schemeClr val="tx1"/>
           </a:solidFill>
@@ -3257,8 +3257,8 @@
           <a:cs typeface="+mn-cs"/>
         </a:defRPr>
       </a:lvl3pPr>
-      <a:lvl4pPr marL="1920112" algn="l" defTabSz="1280075" rtl="0" eaLnBrk="1" latinLnBrk="0" hangingPunct="1">
-        <a:defRPr kumimoji="1" sz="2520" kern="1200">
+      <a:lvl4pPr marL="1992116" algn="l" defTabSz="1328078" rtl="0" eaLnBrk="1" latinLnBrk="0" hangingPunct="1">
+        <a:defRPr kumimoji="1" sz="2615" kern="1200">
           <a:solidFill>
             <a:schemeClr val="tx1"/>
           </a:solidFill>
@@ -3267,8 +3267,8 @@
           <a:cs typeface="+mn-cs"/>
         </a:defRPr>
       </a:lvl4pPr>
-      <a:lvl5pPr marL="2560150" algn="l" defTabSz="1280075" rtl="0" eaLnBrk="1" latinLnBrk="0" hangingPunct="1">
-        <a:defRPr kumimoji="1" sz="2520" kern="1200">
+      <a:lvl5pPr marL="2656156" algn="l" defTabSz="1328078" rtl="0" eaLnBrk="1" latinLnBrk="0" hangingPunct="1">
+        <a:defRPr kumimoji="1" sz="2615" kern="1200">
           <a:solidFill>
             <a:schemeClr val="tx1"/>
           </a:solidFill>
@@ -3277,8 +3277,8 @@
           <a:cs typeface="+mn-cs"/>
         </a:defRPr>
       </a:lvl5pPr>
-      <a:lvl6pPr marL="3200189" algn="l" defTabSz="1280075" rtl="0" eaLnBrk="1" latinLnBrk="0" hangingPunct="1">
-        <a:defRPr kumimoji="1" sz="2520" kern="1200">
+      <a:lvl6pPr marL="3320196" algn="l" defTabSz="1328078" rtl="0" eaLnBrk="1" latinLnBrk="0" hangingPunct="1">
+        <a:defRPr kumimoji="1" sz="2615" kern="1200">
           <a:solidFill>
             <a:schemeClr val="tx1"/>
           </a:solidFill>
@@ -3287,8 +3287,8 @@
           <a:cs typeface="+mn-cs"/>
         </a:defRPr>
       </a:lvl6pPr>
-      <a:lvl7pPr marL="3840225" algn="l" defTabSz="1280075" rtl="0" eaLnBrk="1" latinLnBrk="0" hangingPunct="1">
-        <a:defRPr kumimoji="1" sz="2520" kern="1200">
+      <a:lvl7pPr marL="3984233" algn="l" defTabSz="1328078" rtl="0" eaLnBrk="1" latinLnBrk="0" hangingPunct="1">
+        <a:defRPr kumimoji="1" sz="2615" kern="1200">
           <a:solidFill>
             <a:schemeClr val="tx1"/>
           </a:solidFill>
@@ -3297,8 +3297,8 @@
           <a:cs typeface="+mn-cs"/>
         </a:defRPr>
       </a:lvl7pPr>
-      <a:lvl8pPr marL="4480262" algn="l" defTabSz="1280075" rtl="0" eaLnBrk="1" latinLnBrk="0" hangingPunct="1">
-        <a:defRPr kumimoji="1" sz="2520" kern="1200">
+      <a:lvl8pPr marL="4648272" algn="l" defTabSz="1328078" rtl="0" eaLnBrk="1" latinLnBrk="0" hangingPunct="1">
+        <a:defRPr kumimoji="1" sz="2615" kern="1200">
           <a:solidFill>
             <a:schemeClr val="tx1"/>
           </a:solidFill>
@@ -3307,8 +3307,8 @@
           <a:cs typeface="+mn-cs"/>
         </a:defRPr>
       </a:lvl8pPr>
-      <a:lvl9pPr marL="5120300" algn="l" defTabSz="1280075" rtl="0" eaLnBrk="1" latinLnBrk="0" hangingPunct="1">
-        <a:defRPr kumimoji="1" sz="2520" kern="1200">
+      <a:lvl9pPr marL="5312311" algn="l" defTabSz="1328078" rtl="0" eaLnBrk="1" latinLnBrk="0" hangingPunct="1">
+        <a:defRPr kumimoji="1" sz="2615" kern="1200">
           <a:solidFill>
             <a:schemeClr val="tx1"/>
           </a:solidFill>
@@ -3341,14 +3341,14 @@
       </p:grpSpPr>
       <p:sp>
         <p:nvSpPr>
-          <p:cNvPr id="101" name="正方形/長方形 100"/>
+          <p:cNvPr id="62" name="正方形/長方形 61"/>
           <p:cNvSpPr/>
           <p:nvPr/>
         </p:nvSpPr>
         <p:spPr bwMode="auto">
           <a:xfrm>
-            <a:off x="215627" y="251768"/>
-            <a:ext cx="3157280" cy="2546220"/>
+            <a:off x="196308" y="1046638"/>
+            <a:ext cx="3157280" cy="1450523"/>
           </a:xfrm>
           <a:prstGeom prst="rect">
             <a:avLst/>
@@ -3395,14 +3395,14 @@
       </p:sp>
       <p:sp>
         <p:nvSpPr>
-          <p:cNvPr id="102" name="正方形/長方形 101"/>
+          <p:cNvPr id="63" name="正方形/長方形 62"/>
           <p:cNvSpPr/>
           <p:nvPr/>
         </p:nvSpPr>
         <p:spPr bwMode="auto">
           <a:xfrm>
-            <a:off x="3551996" y="251766"/>
-            <a:ext cx="3157280" cy="2546222"/>
+            <a:off x="3532677" y="1046636"/>
+            <a:ext cx="3157280" cy="1450525"/>
           </a:xfrm>
           <a:prstGeom prst="rect">
             <a:avLst/>
@@ -3449,13 +3449,13 @@
       </p:sp>
       <p:sp>
         <p:nvSpPr>
-          <p:cNvPr id="103" name="円/楕円 102"/>
+          <p:cNvPr id="64" name="円/楕円 63"/>
           <p:cNvSpPr/>
           <p:nvPr/>
         </p:nvSpPr>
         <p:spPr>
           <a:xfrm>
-            <a:off x="381131" y="545503"/>
+            <a:off x="449839" y="1526753"/>
             <a:ext cx="949472" cy="559697"/>
           </a:xfrm>
           <a:prstGeom prst="ellipse">
@@ -3481,27 +3481,34 @@
               <a:defRPr/>
             </a:pPr>
             <a:r>
-              <a:rPr kumimoji="0" lang="en-US" altLang="ja-JP" sz="1201" kern="0" dirty="0">
+              <a:rPr kumimoji="0" lang="en-US" altLang="ja-JP" sz="1201" kern="0" dirty="0" smtClean="0">
                 <a:solidFill>
                   <a:prstClr val="black"/>
                 </a:solidFill>
                 <a:latin typeface="Meiryo UI" panose="020B0604030504040204" pitchFamily="50" charset="-128"/>
                 <a:ea typeface="Meiryo UI" panose="020B0604030504040204" pitchFamily="50" charset="-128"/>
               </a:rPr>
-              <a:t>talker1</a:t>
-            </a:r>
-          </a:p>
-        </p:txBody>
-      </p:sp>
-      <p:sp>
-        <p:nvSpPr>
-          <p:cNvPr id="104" name="テキスト ボックス 103"/>
+              <a:t>talker</a:t>
+            </a:r>
+            <a:endParaRPr kumimoji="0" lang="en-US" altLang="ja-JP" sz="1201" kern="0" dirty="0">
+              <a:solidFill>
+                <a:prstClr val="black"/>
+              </a:solidFill>
+              <a:latin typeface="Meiryo UI" panose="020B0604030504040204" pitchFamily="50" charset="-128"/>
+              <a:ea typeface="Meiryo UI" panose="020B0604030504040204" pitchFamily="50" charset="-128"/>
+            </a:endParaRPr>
+          </a:p>
+        </p:txBody>
+      </p:sp>
+      <p:sp>
+        <p:nvSpPr>
+          <p:cNvPr id="65" name="テキスト ボックス 64"/>
           <p:cNvSpPr txBox="1"/>
           <p:nvPr/>
         </p:nvSpPr>
         <p:spPr>
           <a:xfrm>
-            <a:off x="3489463" y="107758"/>
+            <a:off x="3470144" y="902628"/>
             <a:ext cx="918007" cy="290187"/>
           </a:xfrm>
           <a:prstGeom prst="rect">
@@ -3531,14 +3538,7 @@
                 <a:latin typeface="Meiryo UI" panose="020B0604030504040204" pitchFamily="50" charset="-128"/>
                 <a:ea typeface="Meiryo UI" panose="020B0604030504040204" pitchFamily="50" charset="-128"/>
               </a:rPr>
-              <a:t>ROS</a:t>
-            </a:r>
-            <a:r>
-              <a:rPr kumimoji="0" lang="en-US" altLang="ja-JP" sz="1201" b="1" kern="0" dirty="0">
-                <a:latin typeface="Meiryo UI" panose="020B0604030504040204" pitchFamily="50" charset="-128"/>
-                <a:ea typeface="Meiryo UI" panose="020B0604030504040204" pitchFamily="50" charset="-128"/>
-              </a:rPr>
-              <a:t>2</a:t>
+              <a:t>ROS2</a:t>
             </a:r>
             <a:endParaRPr kumimoji="0" lang="ja-JP" altLang="en-US" sz="1201" b="1" kern="0" dirty="0">
               <a:latin typeface="Meiryo UI" panose="020B0604030504040204" pitchFamily="50" charset="-128"/>
@@ -3549,13 +3549,13 @@
       </p:sp>
       <p:sp>
         <p:nvSpPr>
-          <p:cNvPr id="105" name="円/楕円 104"/>
+          <p:cNvPr id="66" name="円/楕円 65"/>
           <p:cNvSpPr/>
           <p:nvPr/>
         </p:nvSpPr>
         <p:spPr>
           <a:xfrm>
-            <a:off x="2871277" y="1331992"/>
+            <a:off x="2828410" y="1568841"/>
             <a:ext cx="1283468" cy="475523"/>
           </a:xfrm>
           <a:prstGeom prst="ellipse">
@@ -3596,13 +3596,13 @@
       </p:sp>
       <p:sp>
         <p:nvSpPr>
-          <p:cNvPr id="106" name="正方形/長方形 105"/>
+          <p:cNvPr id="67" name="正方形/長方形 66"/>
           <p:cNvSpPr/>
           <p:nvPr/>
         </p:nvSpPr>
         <p:spPr>
           <a:xfrm>
-            <a:off x="1654019" y="598961"/>
+            <a:off x="1764583" y="1580214"/>
             <a:ext cx="748997" cy="452776"/>
           </a:xfrm>
           <a:prstGeom prst="rect">
@@ -3651,14 +3651,14 @@
               <a:defRPr/>
             </a:pPr>
             <a:r>
-              <a:rPr kumimoji="0" lang="en-US" altLang="ja-JP" sz="1100" kern="0" dirty="0">
+              <a:rPr kumimoji="0" lang="en-US" altLang="ja-JP" sz="1100" kern="0" dirty="0" smtClean="0">
                 <a:solidFill>
                   <a:prstClr val="black"/>
                 </a:solidFill>
                 <a:latin typeface="Meiryo UI" panose="020B0604030504040204" pitchFamily="50" charset="-128"/>
                 <a:ea typeface="Meiryo UI" panose="020B0604030504040204" pitchFamily="50" charset="-128"/>
               </a:rPr>
-              <a:t>chatter1</a:t>
+              <a:t>chatter</a:t>
             </a:r>
             <a:endParaRPr kumimoji="0" lang="ja-JP" altLang="en-US" sz="1100" kern="0" dirty="0">
               <a:solidFill>
@@ -3672,42 +3672,43 @@
       </p:sp>
       <p:cxnSp>
         <p:nvCxnSpPr>
-          <p:cNvPr id="107" name="直線矢印コネクタ 106"/>
+          <p:cNvPr id="68" name="直線矢印コネクタ 67"/>
           <p:cNvCxnSpPr>
-            <a:stCxn id="103" idx="6"/>
-            <a:endCxn id="106" idx="1"/>
+            <a:stCxn id="64" idx="6"/>
+            <a:endCxn id="67" idx="1"/>
           </p:cNvCxnSpPr>
           <p:nvPr/>
         </p:nvCxnSpPr>
         <p:spPr>
           <a:xfrm>
-            <a:off x="1330603" y="825349"/>
-            <a:ext cx="323412" cy="0"/>
+            <a:off x="1399311" y="1806602"/>
+            <a:ext cx="365272" cy="0"/>
           </a:xfrm>
           <a:prstGeom prst="straightConnector1">
             <a:avLst/>
           </a:prstGeom>
           <a:noFill/>
-          <a:ln w="19050" cap="flat" cmpd="sng" algn="ctr">
+          <a:ln w="38100" cap="flat" cmpd="sng" algn="ctr">
             <a:solidFill>
               <a:schemeClr val="tx1"/>
             </a:solidFill>
             <a:prstDash val="solid"/>
             <a:miter lim="800000"/>
-            <a:tailEnd type="triangle"/>
+            <a:headEnd w="lg" len="lg"/>
+            <a:tailEnd type="triangle" w="med" len="med"/>
           </a:ln>
           <a:effectLst/>
         </p:spPr>
       </p:cxnSp>
       <p:sp>
         <p:nvSpPr>
-          <p:cNvPr id="108" name="テキスト ボックス 107"/>
+          <p:cNvPr id="69" name="テキスト ボックス 68"/>
           <p:cNvSpPr txBox="1"/>
           <p:nvPr/>
         </p:nvSpPr>
         <p:spPr>
           <a:xfrm>
-            <a:off x="148907" y="107761"/>
+            <a:off x="129588" y="902631"/>
             <a:ext cx="918007" cy="290187"/>
           </a:xfrm>
           <a:prstGeom prst="rect">
@@ -3740,17 +3741,7 @@
                 <a:latin typeface="Meiryo UI" panose="020B0604030504040204" pitchFamily="50" charset="-128"/>
                 <a:ea typeface="Meiryo UI" panose="020B0604030504040204" pitchFamily="50" charset="-128"/>
               </a:rPr>
-              <a:t>ROS</a:t>
-            </a:r>
-            <a:r>
-              <a:rPr kumimoji="0" lang="en-US" altLang="ja-JP" sz="1201" b="1" kern="0" dirty="0">
-                <a:solidFill>
-                  <a:schemeClr val="bg1"/>
-                </a:solidFill>
-                <a:latin typeface="Meiryo UI" panose="020B0604030504040204" pitchFamily="50" charset="-128"/>
-                <a:ea typeface="Meiryo UI" panose="020B0604030504040204" pitchFamily="50" charset="-128"/>
-              </a:rPr>
-              <a:t>1</a:t>
+              <a:t>ROS1</a:t>
             </a:r>
             <a:endParaRPr kumimoji="0" lang="ja-JP" altLang="en-US" sz="1201" b="1" kern="0" dirty="0">
               <a:solidFill>
@@ -3764,13 +3755,13 @@
       </p:sp>
       <p:sp>
         <p:nvSpPr>
-          <p:cNvPr id="109" name="正方形/長方形 108"/>
+          <p:cNvPr id="70" name="正方形/長方形 69"/>
           <p:cNvSpPr/>
           <p:nvPr/>
         </p:nvSpPr>
         <p:spPr>
           <a:xfrm>
-            <a:off x="4504480" y="599016"/>
+            <a:off x="4396685" y="1580214"/>
             <a:ext cx="748997" cy="452776"/>
           </a:xfrm>
           <a:prstGeom prst="rect">
@@ -3819,14 +3810,14 @@
               <a:defRPr/>
             </a:pPr>
             <a:r>
-              <a:rPr kumimoji="0" lang="en-US" altLang="ja-JP" sz="1100" kern="0" dirty="0">
+              <a:rPr kumimoji="0" lang="en-US" altLang="ja-JP" sz="1100" kern="0" dirty="0" smtClean="0">
                 <a:solidFill>
                   <a:prstClr val="black"/>
                 </a:solidFill>
                 <a:latin typeface="Meiryo UI" panose="020B0604030504040204" pitchFamily="50" charset="-128"/>
                 <a:ea typeface="Meiryo UI" panose="020B0604030504040204" pitchFamily="50" charset="-128"/>
               </a:rPr>
-              <a:t>chatter1</a:t>
+              <a:t>chatter</a:t>
             </a:r>
             <a:endParaRPr kumimoji="0" lang="ja-JP" altLang="en-US" sz="1100" kern="0" dirty="0">
               <a:solidFill>
@@ -3840,71 +3831,73 @@
       </p:sp>
       <p:cxnSp>
         <p:nvCxnSpPr>
-          <p:cNvPr id="110" name="直線矢印コネクタ 109"/>
+          <p:cNvPr id="71" name="直線矢印コネクタ 70"/>
           <p:cNvCxnSpPr>
-            <a:stCxn id="106" idx="3"/>
-            <a:endCxn id="105" idx="1"/>
+            <a:stCxn id="67" idx="3"/>
+            <a:endCxn id="66" idx="2"/>
           </p:cNvCxnSpPr>
           <p:nvPr/>
         </p:nvCxnSpPr>
         <p:spPr>
           <a:xfrm>
-            <a:off x="2403013" y="825348"/>
-            <a:ext cx="656224" cy="576280"/>
+            <a:off x="2513580" y="1806602"/>
+            <a:ext cx="314830" cy="1"/>
           </a:xfrm>
           <a:prstGeom prst="straightConnector1">
             <a:avLst/>
           </a:prstGeom>
           <a:noFill/>
-          <a:ln w="19050" cap="flat" cmpd="sng" algn="ctr">
+          <a:ln w="38100" cap="flat" cmpd="sng" algn="ctr">
             <a:solidFill>
               <a:schemeClr val="tx1"/>
             </a:solidFill>
             <a:prstDash val="solid"/>
             <a:miter lim="800000"/>
-            <a:tailEnd type="triangle"/>
+            <a:headEnd w="lg" len="lg"/>
+            <a:tailEnd type="triangle" w="med" len="med"/>
           </a:ln>
           <a:effectLst/>
         </p:spPr>
       </p:cxnSp>
       <p:cxnSp>
         <p:nvCxnSpPr>
-          <p:cNvPr id="111" name="直線矢印コネクタ 110"/>
+          <p:cNvPr id="72" name="直線矢印コネクタ 71"/>
           <p:cNvCxnSpPr>
-            <a:stCxn id="105" idx="7"/>
-            <a:endCxn id="109" idx="1"/>
+            <a:stCxn id="66" idx="6"/>
+            <a:endCxn id="70" idx="1"/>
           </p:cNvCxnSpPr>
           <p:nvPr/>
         </p:nvCxnSpPr>
         <p:spPr>
           <a:xfrm flipV="1">
-            <a:off x="3966785" y="825406"/>
-            <a:ext cx="537692" cy="576225"/>
+            <a:off x="4111878" y="1806602"/>
+            <a:ext cx="284807" cy="1"/>
           </a:xfrm>
           <a:prstGeom prst="straightConnector1">
             <a:avLst/>
           </a:prstGeom>
           <a:noFill/>
-          <a:ln w="19050" cap="flat" cmpd="sng" algn="ctr">
+          <a:ln w="38100" cap="flat" cmpd="sng" algn="ctr">
             <a:solidFill>
               <a:schemeClr val="tx1"/>
             </a:solidFill>
             <a:prstDash val="solid"/>
             <a:miter lim="800000"/>
-            <a:tailEnd type="triangle"/>
+            <a:headEnd w="lg" len="lg"/>
+            <a:tailEnd type="triangle" w="med" len="med"/>
           </a:ln>
           <a:effectLst/>
         </p:spPr>
       </p:cxnSp>
       <p:sp>
         <p:nvSpPr>
-          <p:cNvPr id="112" name="円/楕円 111"/>
+          <p:cNvPr id="73" name="円/楕円 72"/>
           <p:cNvSpPr/>
           <p:nvPr/>
         </p:nvSpPr>
         <p:spPr>
           <a:xfrm>
-            <a:off x="5620242" y="545503"/>
+            <a:off x="5510954" y="1526754"/>
             <a:ext cx="949472" cy="559697"/>
           </a:xfrm>
           <a:prstGeom prst="ellipse">
@@ -3930,56 +3923,64 @@
               <a:defRPr/>
             </a:pPr>
             <a:r>
-              <a:rPr kumimoji="0" lang="en-US" altLang="ja-JP" sz="1201" kern="0" dirty="0">
+              <a:rPr kumimoji="0" lang="en-US" altLang="ja-JP" sz="1201" kern="0" dirty="0" smtClean="0">
                 <a:solidFill>
                   <a:prstClr val="black"/>
                 </a:solidFill>
                 <a:latin typeface="Meiryo UI" panose="020B0604030504040204" pitchFamily="50" charset="-128"/>
                 <a:ea typeface="Meiryo UI" panose="020B0604030504040204" pitchFamily="50" charset="-128"/>
               </a:rPr>
-              <a:t>listener1</a:t>
-            </a:r>
+              <a:t>listener</a:t>
+            </a:r>
+            <a:endParaRPr kumimoji="0" lang="en-US" altLang="ja-JP" sz="1201" kern="0" dirty="0">
+              <a:solidFill>
+                <a:prstClr val="black"/>
+              </a:solidFill>
+              <a:latin typeface="Meiryo UI" panose="020B0604030504040204" pitchFamily="50" charset="-128"/>
+              <a:ea typeface="Meiryo UI" panose="020B0604030504040204" pitchFamily="50" charset="-128"/>
+            </a:endParaRPr>
           </a:p>
         </p:txBody>
       </p:sp>
       <p:cxnSp>
         <p:nvCxnSpPr>
-          <p:cNvPr id="113" name="直線矢印コネクタ 112"/>
+          <p:cNvPr id="74" name="直線矢印コネクタ 73"/>
           <p:cNvCxnSpPr>
-            <a:stCxn id="109" idx="3"/>
-            <a:endCxn id="112" idx="2"/>
+            <a:stCxn id="70" idx="3"/>
+            <a:endCxn id="73" idx="2"/>
           </p:cNvCxnSpPr>
           <p:nvPr/>
         </p:nvCxnSpPr>
         <p:spPr>
-          <a:xfrm flipV="1">
-            <a:off x="5253476" y="825349"/>
-            <a:ext cx="366767" cy="54"/>
+          <a:xfrm>
+            <a:off x="5145682" y="1806602"/>
+            <a:ext cx="365272" cy="1"/>
           </a:xfrm>
           <a:prstGeom prst="straightConnector1">
             <a:avLst/>
           </a:prstGeom>
           <a:noFill/>
-          <a:ln w="19050" cap="flat" cmpd="sng" algn="ctr">
+          <a:ln w="38100" cap="flat" cmpd="sng" algn="ctr">
             <a:solidFill>
               <a:schemeClr val="tx1"/>
             </a:solidFill>
             <a:prstDash val="solid"/>
             <a:miter lim="800000"/>
-            <a:tailEnd type="triangle"/>
+            <a:headEnd w="lg" len="lg"/>
+            <a:tailEnd type="triangle" w="med" len="med"/>
           </a:ln>
           <a:effectLst/>
         </p:spPr>
       </p:cxnSp>
       <p:sp>
         <p:nvSpPr>
-          <p:cNvPr id="114" name="円/楕円 113"/>
+          <p:cNvPr id="76" name="円/楕円 75"/>
           <p:cNvSpPr/>
           <p:nvPr/>
         </p:nvSpPr>
         <p:spPr>
           <a:xfrm>
-            <a:off x="3109092" y="2979346"/>
+            <a:off x="3239963" y="105170"/>
             <a:ext cx="949472" cy="559697"/>
           </a:xfrm>
           <a:prstGeom prst="ellipse">
@@ -4019,13 +4020,13 @@
       </p:sp>
       <p:sp>
         <p:nvSpPr>
-          <p:cNvPr id="115" name="正方形/長方形 114"/>
+          <p:cNvPr id="77" name="正方形/長方形 76"/>
           <p:cNvSpPr/>
           <p:nvPr/>
         </p:nvSpPr>
         <p:spPr>
           <a:xfrm>
-            <a:off x="4320083" y="3032803"/>
+            <a:off x="4450954" y="158627"/>
             <a:ext cx="748997" cy="452776"/>
           </a:xfrm>
           <a:prstGeom prst="rect">
@@ -4095,39 +4096,40 @@
       </p:sp>
       <p:cxnSp>
         <p:nvCxnSpPr>
-          <p:cNvPr id="116" name="直線矢印コネクタ 115"/>
+          <p:cNvPr id="78" name="直線矢印コネクタ 77"/>
           <p:cNvCxnSpPr/>
           <p:nvPr/>
         </p:nvCxnSpPr>
         <p:spPr>
           <a:xfrm>
-            <a:off x="5330597" y="3431279"/>
+            <a:off x="5461468" y="557103"/>
             <a:ext cx="1237573" cy="55"/>
           </a:xfrm>
           <a:prstGeom prst="straightConnector1">
             <a:avLst/>
           </a:prstGeom>
           <a:noFill/>
-          <a:ln w="19050" cap="flat" cmpd="sng" algn="ctr">
+          <a:ln w="38100" cap="flat" cmpd="sng" algn="ctr">
             <a:solidFill>
               <a:schemeClr val="tx1"/>
             </a:solidFill>
             <a:prstDash val="solid"/>
             <a:miter lim="800000"/>
-            <a:tailEnd type="triangle"/>
+            <a:headEnd w="lg" len="lg"/>
+            <a:tailEnd type="triangle" w="med" len="med"/>
           </a:ln>
           <a:effectLst/>
         </p:spPr>
       </p:cxnSp>
       <p:sp>
         <p:nvSpPr>
-          <p:cNvPr id="117" name="テキスト ボックス 116"/>
+          <p:cNvPr id="79" name="テキスト ボックス 78"/>
           <p:cNvSpPr txBox="1"/>
           <p:nvPr/>
         </p:nvSpPr>
         <p:spPr>
           <a:xfrm>
-            <a:off x="5234288" y="3060615"/>
+            <a:off x="5365159" y="186439"/>
             <a:ext cx="1399742" cy="261610"/>
           </a:xfrm>
           <a:prstGeom prst="rect">
@@ -4158,726 +4160,6 @@
           </a:p>
         </p:txBody>
       </p:sp>
-      <p:sp>
-        <p:nvSpPr>
-          <p:cNvPr id="118" name="円/楕円 117"/>
-          <p:cNvSpPr/>
-          <p:nvPr/>
-        </p:nvSpPr>
-        <p:spPr>
-          <a:xfrm>
-            <a:off x="374660" y="1289904"/>
-            <a:ext cx="949472" cy="559697"/>
-          </a:xfrm>
-          <a:prstGeom prst="ellipse">
-            <a:avLst/>
-          </a:prstGeom>
-          <a:solidFill>
-            <a:schemeClr val="bg1"/>
-          </a:solidFill>
-          <a:ln w="6350" cap="flat" cmpd="sng" algn="ctr">
-            <a:solidFill>
-              <a:schemeClr val="tx1"/>
-            </a:solidFill>
-            <a:prstDash val="solid"/>
-            <a:miter lim="800000"/>
-          </a:ln>
-          <a:effectLst/>
-        </p:spPr>
-        <p:txBody>
-          <a:bodyPr wrap="none" rtlCol="0" anchor="ctr"/>
-          <a:lstStyle/>
-          <a:p>
-            <a:pPr algn="ctr" defTabSz="914388">
-              <a:defRPr/>
-            </a:pPr>
-            <a:r>
-              <a:rPr kumimoji="0" lang="en-US" altLang="ja-JP" sz="1201" kern="0" dirty="0">
-                <a:solidFill>
-                  <a:prstClr val="black"/>
-                </a:solidFill>
-                <a:latin typeface="Meiryo UI" panose="020B0604030504040204" pitchFamily="50" charset="-128"/>
-                <a:ea typeface="Meiryo UI" panose="020B0604030504040204" pitchFamily="50" charset="-128"/>
-              </a:rPr>
-              <a:t>talker2</a:t>
-            </a:r>
-          </a:p>
-        </p:txBody>
-      </p:sp>
-      <p:sp>
-        <p:nvSpPr>
-          <p:cNvPr id="119" name="正方形/長方形 118"/>
-          <p:cNvSpPr/>
-          <p:nvPr/>
-        </p:nvSpPr>
-        <p:spPr>
-          <a:xfrm>
-            <a:off x="1647547" y="1343361"/>
-            <a:ext cx="748997" cy="452776"/>
-          </a:xfrm>
-          <a:prstGeom prst="rect">
-            <a:avLst/>
-          </a:prstGeom>
-          <a:gradFill rotWithShape="1">
-            <a:gsLst>
-              <a:gs pos="0">
-                <a:srgbClr val="A5A5A5">
-                  <a:lumMod val="110000"/>
-                  <a:satMod val="105000"/>
-                  <a:tint val="67000"/>
-                </a:srgbClr>
-              </a:gs>
-              <a:gs pos="50000">
-                <a:srgbClr val="A5A5A5">
-                  <a:lumMod val="105000"/>
-                  <a:satMod val="103000"/>
-                  <a:tint val="73000"/>
-                </a:srgbClr>
-              </a:gs>
-              <a:gs pos="100000">
-                <a:srgbClr val="A5A5A5">
-                  <a:lumMod val="105000"/>
-                  <a:satMod val="109000"/>
-                  <a:tint val="81000"/>
-                </a:srgbClr>
-              </a:gs>
-            </a:gsLst>
-            <a:lin ang="5400000" scaled="0"/>
-          </a:gradFill>
-          <a:ln w="6350" cap="flat" cmpd="sng" algn="ctr">
-            <a:solidFill>
-              <a:srgbClr val="A5A5A5"/>
-            </a:solidFill>
-            <a:prstDash val="solid"/>
-            <a:miter lim="800000"/>
-          </a:ln>
-          <a:effectLst/>
-        </p:spPr>
-        <p:txBody>
-          <a:bodyPr wrap="none" rtlCol="0" anchor="ctr"/>
-          <a:lstStyle/>
-          <a:p>
-            <a:pPr algn="ctr" defTabSz="914388">
-              <a:defRPr/>
-            </a:pPr>
-            <a:r>
-              <a:rPr kumimoji="0" lang="en-US" altLang="ja-JP" sz="1100" kern="0" dirty="0">
-                <a:solidFill>
-                  <a:prstClr val="black"/>
-                </a:solidFill>
-                <a:latin typeface="Meiryo UI" panose="020B0604030504040204" pitchFamily="50" charset="-128"/>
-                <a:ea typeface="Meiryo UI" panose="020B0604030504040204" pitchFamily="50" charset="-128"/>
-              </a:rPr>
-              <a:t>chatter2</a:t>
-            </a:r>
-            <a:endParaRPr kumimoji="0" lang="ja-JP" altLang="en-US" sz="1100" kern="0" dirty="0">
-              <a:solidFill>
-                <a:prstClr val="black"/>
-              </a:solidFill>
-              <a:latin typeface="Meiryo UI" panose="020B0604030504040204" pitchFamily="50" charset="-128"/>
-              <a:ea typeface="Meiryo UI" panose="020B0604030504040204" pitchFamily="50" charset="-128"/>
-            </a:endParaRPr>
-          </a:p>
-        </p:txBody>
-      </p:sp>
-      <p:cxnSp>
-        <p:nvCxnSpPr>
-          <p:cNvPr id="120" name="直線矢印コネクタ 119"/>
-          <p:cNvCxnSpPr>
-            <a:stCxn id="118" idx="6"/>
-            <a:endCxn id="119" idx="1"/>
-          </p:cNvCxnSpPr>
-          <p:nvPr/>
-        </p:nvCxnSpPr>
-        <p:spPr>
-          <a:xfrm flipV="1">
-            <a:off x="1324133" y="1569750"/>
-            <a:ext cx="323413" cy="2"/>
-          </a:xfrm>
-          <a:prstGeom prst="straightConnector1">
-            <a:avLst/>
-          </a:prstGeom>
-          <a:noFill/>
-          <a:ln w="19050" cap="flat" cmpd="sng" algn="ctr">
-            <a:solidFill>
-              <a:schemeClr val="tx1"/>
-            </a:solidFill>
-            <a:prstDash val="solid"/>
-            <a:miter lim="800000"/>
-            <a:tailEnd type="triangle"/>
-          </a:ln>
-          <a:effectLst/>
-        </p:spPr>
-      </p:cxnSp>
-      <p:sp>
-        <p:nvSpPr>
-          <p:cNvPr id="121" name="正方形/長方形 120"/>
-          <p:cNvSpPr/>
-          <p:nvPr/>
-        </p:nvSpPr>
-        <p:spPr>
-          <a:xfrm>
-            <a:off x="4518605" y="1339334"/>
-            <a:ext cx="748997" cy="452776"/>
-          </a:xfrm>
-          <a:prstGeom prst="rect">
-            <a:avLst/>
-          </a:prstGeom>
-          <a:gradFill rotWithShape="1">
-            <a:gsLst>
-              <a:gs pos="0">
-                <a:srgbClr val="A5A5A5">
-                  <a:lumMod val="110000"/>
-                  <a:satMod val="105000"/>
-                  <a:tint val="67000"/>
-                </a:srgbClr>
-              </a:gs>
-              <a:gs pos="50000">
-                <a:srgbClr val="A5A5A5">
-                  <a:lumMod val="105000"/>
-                  <a:satMod val="103000"/>
-                  <a:tint val="73000"/>
-                </a:srgbClr>
-              </a:gs>
-              <a:gs pos="100000">
-                <a:srgbClr val="A5A5A5">
-                  <a:lumMod val="105000"/>
-                  <a:satMod val="109000"/>
-                  <a:tint val="81000"/>
-                </a:srgbClr>
-              </a:gs>
-            </a:gsLst>
-            <a:lin ang="5400000" scaled="0"/>
-          </a:gradFill>
-          <a:ln w="6350" cap="flat" cmpd="sng" algn="ctr">
-            <a:solidFill>
-              <a:srgbClr val="A5A5A5"/>
-            </a:solidFill>
-            <a:prstDash val="solid"/>
-            <a:miter lim="800000"/>
-          </a:ln>
-          <a:effectLst/>
-        </p:spPr>
-        <p:txBody>
-          <a:bodyPr wrap="none" rtlCol="0" anchor="ctr"/>
-          <a:lstStyle/>
-          <a:p>
-            <a:pPr algn="ctr" defTabSz="914388">
-              <a:defRPr/>
-            </a:pPr>
-            <a:r>
-              <a:rPr kumimoji="0" lang="en-US" altLang="ja-JP" sz="1100" kern="0" dirty="0">
-                <a:solidFill>
-                  <a:prstClr val="black"/>
-                </a:solidFill>
-                <a:latin typeface="Meiryo UI" panose="020B0604030504040204" pitchFamily="50" charset="-128"/>
-                <a:ea typeface="Meiryo UI" panose="020B0604030504040204" pitchFamily="50" charset="-128"/>
-              </a:rPr>
-              <a:t>Chatter2</a:t>
-            </a:r>
-            <a:endParaRPr kumimoji="0" lang="ja-JP" altLang="en-US" sz="1100" kern="0" dirty="0">
-              <a:solidFill>
-                <a:prstClr val="black"/>
-              </a:solidFill>
-              <a:latin typeface="Meiryo UI" panose="020B0604030504040204" pitchFamily="50" charset="-128"/>
-              <a:ea typeface="Meiryo UI" panose="020B0604030504040204" pitchFamily="50" charset="-128"/>
-            </a:endParaRPr>
-          </a:p>
-        </p:txBody>
-      </p:sp>
-      <p:cxnSp>
-        <p:nvCxnSpPr>
-          <p:cNvPr id="122" name="直線矢印コネクタ 121"/>
-          <p:cNvCxnSpPr>
-            <a:stCxn id="119" idx="3"/>
-            <a:endCxn id="105" idx="2"/>
-          </p:cNvCxnSpPr>
-          <p:nvPr/>
-        </p:nvCxnSpPr>
-        <p:spPr>
-          <a:xfrm>
-            <a:off x="2396542" y="1569750"/>
-            <a:ext cx="474736" cy="2"/>
-          </a:xfrm>
-          <a:prstGeom prst="straightConnector1">
-            <a:avLst/>
-          </a:prstGeom>
-          <a:noFill/>
-          <a:ln w="19050" cap="flat" cmpd="sng" algn="ctr">
-            <a:solidFill>
-              <a:schemeClr val="tx1"/>
-            </a:solidFill>
-            <a:prstDash val="solid"/>
-            <a:miter lim="800000"/>
-            <a:tailEnd type="triangle"/>
-          </a:ln>
-          <a:effectLst/>
-        </p:spPr>
-      </p:cxnSp>
-      <p:cxnSp>
-        <p:nvCxnSpPr>
-          <p:cNvPr id="123" name="直線矢印コネクタ 122"/>
-          <p:cNvCxnSpPr>
-            <a:stCxn id="105" idx="6"/>
-            <a:endCxn id="121" idx="1"/>
-          </p:cNvCxnSpPr>
-          <p:nvPr/>
-        </p:nvCxnSpPr>
-        <p:spPr>
-          <a:xfrm flipV="1">
-            <a:off x="4154747" y="1565725"/>
-            <a:ext cx="363857" cy="4029"/>
-          </a:xfrm>
-          <a:prstGeom prst="straightConnector1">
-            <a:avLst/>
-          </a:prstGeom>
-          <a:noFill/>
-          <a:ln w="19050" cap="flat" cmpd="sng" algn="ctr">
-            <a:solidFill>
-              <a:schemeClr val="tx1"/>
-            </a:solidFill>
-            <a:prstDash val="solid"/>
-            <a:miter lim="800000"/>
-            <a:tailEnd type="triangle"/>
-          </a:ln>
-          <a:effectLst/>
-        </p:spPr>
-      </p:cxnSp>
-      <p:sp>
-        <p:nvSpPr>
-          <p:cNvPr id="124" name="円/楕円 123"/>
-          <p:cNvSpPr/>
-          <p:nvPr/>
-        </p:nvSpPr>
-        <p:spPr>
-          <a:xfrm>
-            <a:off x="5634367" y="1285823"/>
-            <a:ext cx="949472" cy="559697"/>
-          </a:xfrm>
-          <a:prstGeom prst="ellipse">
-            <a:avLst/>
-          </a:prstGeom>
-          <a:solidFill>
-            <a:srgbClr val="FFC000"/>
-          </a:solidFill>
-          <a:ln w="6350" cap="flat" cmpd="sng" algn="ctr">
-            <a:solidFill>
-              <a:schemeClr val="tx1"/>
-            </a:solidFill>
-            <a:prstDash val="solid"/>
-            <a:miter lim="800000"/>
-          </a:ln>
-          <a:effectLst/>
-        </p:spPr>
-        <p:txBody>
-          <a:bodyPr wrap="none" rtlCol="0" anchor="ctr"/>
-          <a:lstStyle/>
-          <a:p>
-            <a:pPr algn="ctr" defTabSz="914388">
-              <a:defRPr/>
-            </a:pPr>
-            <a:r>
-              <a:rPr kumimoji="0" lang="en-US" altLang="ja-JP" sz="1201" kern="0" dirty="0">
-                <a:solidFill>
-                  <a:prstClr val="black"/>
-                </a:solidFill>
-                <a:latin typeface="Meiryo UI" panose="020B0604030504040204" pitchFamily="50" charset="-128"/>
-                <a:ea typeface="Meiryo UI" panose="020B0604030504040204" pitchFamily="50" charset="-128"/>
-              </a:rPr>
-              <a:t>listener2</a:t>
-            </a:r>
-          </a:p>
-        </p:txBody>
-      </p:sp>
-      <p:cxnSp>
-        <p:nvCxnSpPr>
-          <p:cNvPr id="125" name="直線矢印コネクタ 124"/>
-          <p:cNvCxnSpPr>
-            <a:stCxn id="121" idx="3"/>
-            <a:endCxn id="124" idx="2"/>
-          </p:cNvCxnSpPr>
-          <p:nvPr/>
-        </p:nvCxnSpPr>
-        <p:spPr>
-          <a:xfrm flipV="1">
-            <a:off x="5267602" y="1565671"/>
-            <a:ext cx="366767" cy="53"/>
-          </a:xfrm>
-          <a:prstGeom prst="straightConnector1">
-            <a:avLst/>
-          </a:prstGeom>
-          <a:noFill/>
-          <a:ln w="19050" cap="flat" cmpd="sng" algn="ctr">
-            <a:solidFill>
-              <a:schemeClr val="tx1"/>
-            </a:solidFill>
-            <a:prstDash val="solid"/>
-            <a:miter lim="800000"/>
-            <a:tailEnd type="triangle"/>
-          </a:ln>
-          <a:effectLst/>
-        </p:spPr>
-      </p:cxnSp>
-      <p:sp>
-        <p:nvSpPr>
-          <p:cNvPr id="126" name="円/楕円 125"/>
-          <p:cNvSpPr/>
-          <p:nvPr/>
-        </p:nvSpPr>
-        <p:spPr>
-          <a:xfrm>
-            <a:off x="394101" y="2005903"/>
-            <a:ext cx="949472" cy="559697"/>
-          </a:xfrm>
-          <a:prstGeom prst="ellipse">
-            <a:avLst/>
-          </a:prstGeom>
-          <a:solidFill>
-            <a:schemeClr val="bg1"/>
-          </a:solidFill>
-          <a:ln w="6350" cap="flat" cmpd="sng" algn="ctr">
-            <a:solidFill>
-              <a:schemeClr val="tx1"/>
-            </a:solidFill>
-            <a:prstDash val="solid"/>
-            <a:miter lim="800000"/>
-          </a:ln>
-          <a:effectLst/>
-        </p:spPr>
-        <p:txBody>
-          <a:bodyPr wrap="none" rtlCol="0" anchor="ctr"/>
-          <a:lstStyle/>
-          <a:p>
-            <a:pPr algn="ctr" defTabSz="914388">
-              <a:defRPr/>
-            </a:pPr>
-            <a:r>
-              <a:rPr kumimoji="0" lang="en-US" altLang="ja-JP" sz="1201" kern="0" dirty="0">
-                <a:solidFill>
-                  <a:prstClr val="black"/>
-                </a:solidFill>
-                <a:latin typeface="Meiryo UI" panose="020B0604030504040204" pitchFamily="50" charset="-128"/>
-                <a:ea typeface="Meiryo UI" panose="020B0604030504040204" pitchFamily="50" charset="-128"/>
-              </a:rPr>
-              <a:t>talker3</a:t>
-            </a:r>
-          </a:p>
-        </p:txBody>
-      </p:sp>
-      <p:sp>
-        <p:nvSpPr>
-          <p:cNvPr id="127" name="正方形/長方形 126"/>
-          <p:cNvSpPr/>
-          <p:nvPr/>
-        </p:nvSpPr>
-        <p:spPr>
-          <a:xfrm>
-            <a:off x="1666989" y="2059359"/>
-            <a:ext cx="748997" cy="452776"/>
-          </a:xfrm>
-          <a:prstGeom prst="rect">
-            <a:avLst/>
-          </a:prstGeom>
-          <a:gradFill rotWithShape="1">
-            <a:gsLst>
-              <a:gs pos="0">
-                <a:srgbClr val="A5A5A5">
-                  <a:lumMod val="110000"/>
-                  <a:satMod val="105000"/>
-                  <a:tint val="67000"/>
-                </a:srgbClr>
-              </a:gs>
-              <a:gs pos="50000">
-                <a:srgbClr val="A5A5A5">
-                  <a:lumMod val="105000"/>
-                  <a:satMod val="103000"/>
-                  <a:tint val="73000"/>
-                </a:srgbClr>
-              </a:gs>
-              <a:gs pos="100000">
-                <a:srgbClr val="A5A5A5">
-                  <a:lumMod val="105000"/>
-                  <a:satMod val="109000"/>
-                  <a:tint val="81000"/>
-                </a:srgbClr>
-              </a:gs>
-            </a:gsLst>
-            <a:lin ang="5400000" scaled="0"/>
-          </a:gradFill>
-          <a:ln w="6350" cap="flat" cmpd="sng" algn="ctr">
-            <a:solidFill>
-              <a:srgbClr val="A5A5A5"/>
-            </a:solidFill>
-            <a:prstDash val="solid"/>
-            <a:miter lim="800000"/>
-          </a:ln>
-          <a:effectLst/>
-        </p:spPr>
-        <p:txBody>
-          <a:bodyPr wrap="none" rtlCol="0" anchor="ctr"/>
-          <a:lstStyle/>
-          <a:p>
-            <a:pPr algn="ctr" defTabSz="914388">
-              <a:defRPr/>
-            </a:pPr>
-            <a:r>
-              <a:rPr kumimoji="0" lang="en-US" altLang="ja-JP" sz="1100" kern="0" dirty="0">
-                <a:solidFill>
-                  <a:prstClr val="black"/>
-                </a:solidFill>
-                <a:latin typeface="Meiryo UI" panose="020B0604030504040204" pitchFamily="50" charset="-128"/>
-                <a:ea typeface="Meiryo UI" panose="020B0604030504040204" pitchFamily="50" charset="-128"/>
-              </a:rPr>
-              <a:t>chatter3</a:t>
-            </a:r>
-            <a:endParaRPr kumimoji="0" lang="ja-JP" altLang="en-US" sz="1100" kern="0" dirty="0">
-              <a:solidFill>
-                <a:prstClr val="black"/>
-              </a:solidFill>
-              <a:latin typeface="Meiryo UI" panose="020B0604030504040204" pitchFamily="50" charset="-128"/>
-              <a:ea typeface="Meiryo UI" panose="020B0604030504040204" pitchFamily="50" charset="-128"/>
-            </a:endParaRPr>
-          </a:p>
-        </p:txBody>
-      </p:sp>
-      <p:cxnSp>
-        <p:nvCxnSpPr>
-          <p:cNvPr id="128" name="直線矢印コネクタ 127"/>
-          <p:cNvCxnSpPr>
-            <a:stCxn id="126" idx="6"/>
-            <a:endCxn id="127" idx="1"/>
-          </p:cNvCxnSpPr>
-          <p:nvPr/>
-        </p:nvCxnSpPr>
-        <p:spPr>
-          <a:xfrm flipV="1">
-            <a:off x="1343576" y="2285747"/>
-            <a:ext cx="323413" cy="2"/>
-          </a:xfrm>
-          <a:prstGeom prst="straightConnector1">
-            <a:avLst/>
-          </a:prstGeom>
-          <a:noFill/>
-          <a:ln w="19050" cap="flat" cmpd="sng" algn="ctr">
-            <a:solidFill>
-              <a:schemeClr val="tx1"/>
-            </a:solidFill>
-            <a:prstDash val="solid"/>
-            <a:miter lim="800000"/>
-            <a:tailEnd type="triangle"/>
-          </a:ln>
-          <a:effectLst/>
-        </p:spPr>
-      </p:cxnSp>
-      <p:sp>
-        <p:nvSpPr>
-          <p:cNvPr id="129" name="正方形/長方形 128"/>
-          <p:cNvSpPr/>
-          <p:nvPr/>
-        </p:nvSpPr>
-        <p:spPr>
-          <a:xfrm>
-            <a:off x="4517449" y="2064106"/>
-            <a:ext cx="748997" cy="452776"/>
-          </a:xfrm>
-          <a:prstGeom prst="rect">
-            <a:avLst/>
-          </a:prstGeom>
-          <a:gradFill rotWithShape="1">
-            <a:gsLst>
-              <a:gs pos="0">
-                <a:srgbClr val="A5A5A5">
-                  <a:lumMod val="110000"/>
-                  <a:satMod val="105000"/>
-                  <a:tint val="67000"/>
-                </a:srgbClr>
-              </a:gs>
-              <a:gs pos="50000">
-                <a:srgbClr val="A5A5A5">
-                  <a:lumMod val="105000"/>
-                  <a:satMod val="103000"/>
-                  <a:tint val="73000"/>
-                </a:srgbClr>
-              </a:gs>
-              <a:gs pos="100000">
-                <a:srgbClr val="A5A5A5">
-                  <a:lumMod val="105000"/>
-                  <a:satMod val="109000"/>
-                  <a:tint val="81000"/>
-                </a:srgbClr>
-              </a:gs>
-            </a:gsLst>
-            <a:lin ang="5400000" scaled="0"/>
-          </a:gradFill>
-          <a:ln w="6350" cap="flat" cmpd="sng" algn="ctr">
-            <a:solidFill>
-              <a:srgbClr val="A5A5A5"/>
-            </a:solidFill>
-            <a:prstDash val="solid"/>
-            <a:miter lim="800000"/>
-          </a:ln>
-          <a:effectLst/>
-        </p:spPr>
-        <p:txBody>
-          <a:bodyPr wrap="none" rtlCol="0" anchor="ctr"/>
-          <a:lstStyle/>
-          <a:p>
-            <a:pPr algn="ctr" defTabSz="914388">
-              <a:defRPr/>
-            </a:pPr>
-            <a:r>
-              <a:rPr kumimoji="0" lang="en-US" altLang="ja-JP" sz="1100" kern="0" dirty="0">
-                <a:solidFill>
-                  <a:prstClr val="black"/>
-                </a:solidFill>
-                <a:latin typeface="Meiryo UI" panose="020B0604030504040204" pitchFamily="50" charset="-128"/>
-                <a:ea typeface="Meiryo UI" panose="020B0604030504040204" pitchFamily="50" charset="-128"/>
-              </a:rPr>
-              <a:t>chatter3</a:t>
-            </a:r>
-            <a:endParaRPr kumimoji="0" lang="ja-JP" altLang="en-US" sz="1100" kern="0" dirty="0">
-              <a:solidFill>
-                <a:prstClr val="black"/>
-              </a:solidFill>
-              <a:latin typeface="Meiryo UI" panose="020B0604030504040204" pitchFamily="50" charset="-128"/>
-              <a:ea typeface="Meiryo UI" panose="020B0604030504040204" pitchFamily="50" charset="-128"/>
-            </a:endParaRPr>
-          </a:p>
-        </p:txBody>
-      </p:sp>
-      <p:cxnSp>
-        <p:nvCxnSpPr>
-          <p:cNvPr id="130" name="直線矢印コネクタ 129"/>
-          <p:cNvCxnSpPr>
-            <a:stCxn id="127" idx="3"/>
-            <a:endCxn id="105" idx="3"/>
-          </p:cNvCxnSpPr>
-          <p:nvPr/>
-        </p:nvCxnSpPr>
-        <p:spPr>
-          <a:xfrm flipV="1">
-            <a:off x="2415983" y="1737874"/>
-            <a:ext cx="643254" cy="547874"/>
-          </a:xfrm>
-          <a:prstGeom prst="straightConnector1">
-            <a:avLst/>
-          </a:prstGeom>
-          <a:noFill/>
-          <a:ln w="19050" cap="flat" cmpd="sng" algn="ctr">
-            <a:solidFill>
-              <a:schemeClr val="tx1"/>
-            </a:solidFill>
-            <a:prstDash val="solid"/>
-            <a:miter lim="800000"/>
-            <a:tailEnd type="triangle"/>
-          </a:ln>
-          <a:effectLst/>
-        </p:spPr>
-      </p:cxnSp>
-      <p:cxnSp>
-        <p:nvCxnSpPr>
-          <p:cNvPr id="131" name="直線矢印コネクタ 130"/>
-          <p:cNvCxnSpPr>
-            <a:stCxn id="105" idx="5"/>
-            <a:endCxn id="129" idx="1"/>
-          </p:cNvCxnSpPr>
-          <p:nvPr/>
-        </p:nvCxnSpPr>
-        <p:spPr>
-          <a:xfrm>
-            <a:off x="3966788" y="1737876"/>
-            <a:ext cx="550661" cy="552621"/>
-          </a:xfrm>
-          <a:prstGeom prst="straightConnector1">
-            <a:avLst/>
-          </a:prstGeom>
-          <a:noFill/>
-          <a:ln w="19050" cap="flat" cmpd="sng" algn="ctr">
-            <a:solidFill>
-              <a:schemeClr val="tx1"/>
-            </a:solidFill>
-            <a:prstDash val="solid"/>
-            <a:miter lim="800000"/>
-            <a:tailEnd type="triangle"/>
-          </a:ln>
-          <a:effectLst/>
-        </p:spPr>
-      </p:cxnSp>
-      <p:sp>
-        <p:nvSpPr>
-          <p:cNvPr id="132" name="円/楕円 131"/>
-          <p:cNvSpPr/>
-          <p:nvPr/>
-        </p:nvSpPr>
-        <p:spPr>
-          <a:xfrm>
-            <a:off x="5633211" y="2010595"/>
-            <a:ext cx="949472" cy="559697"/>
-          </a:xfrm>
-          <a:prstGeom prst="ellipse">
-            <a:avLst/>
-          </a:prstGeom>
-          <a:solidFill>
-            <a:srgbClr val="FFC000"/>
-          </a:solidFill>
-          <a:ln w="6350" cap="flat" cmpd="sng" algn="ctr">
-            <a:solidFill>
-              <a:schemeClr val="tx1"/>
-            </a:solidFill>
-            <a:prstDash val="solid"/>
-            <a:miter lim="800000"/>
-          </a:ln>
-          <a:effectLst/>
-        </p:spPr>
-        <p:txBody>
-          <a:bodyPr wrap="none" rtlCol="0" anchor="ctr"/>
-          <a:lstStyle/>
-          <a:p>
-            <a:pPr algn="ctr" defTabSz="914388">
-              <a:defRPr/>
-            </a:pPr>
-            <a:r>
-              <a:rPr kumimoji="0" lang="en-US" altLang="ja-JP" sz="1201" kern="0" dirty="0">
-                <a:solidFill>
-                  <a:prstClr val="black"/>
-                </a:solidFill>
-                <a:latin typeface="Meiryo UI" panose="020B0604030504040204" pitchFamily="50" charset="-128"/>
-                <a:ea typeface="Meiryo UI" panose="020B0604030504040204" pitchFamily="50" charset="-128"/>
-              </a:rPr>
-              <a:t>listener3</a:t>
-            </a:r>
-          </a:p>
-        </p:txBody>
-      </p:sp>
-      <p:cxnSp>
-        <p:nvCxnSpPr>
-          <p:cNvPr id="133" name="直線矢印コネクタ 132"/>
-          <p:cNvCxnSpPr>
-            <a:stCxn id="129" idx="3"/>
-            <a:endCxn id="132" idx="2"/>
-          </p:cNvCxnSpPr>
-          <p:nvPr/>
-        </p:nvCxnSpPr>
-        <p:spPr>
-          <a:xfrm flipV="1">
-            <a:off x="5266446" y="2290443"/>
-            <a:ext cx="366767" cy="53"/>
-          </a:xfrm>
-          <a:prstGeom prst="straightConnector1">
-            <a:avLst/>
-          </a:prstGeom>
-          <a:noFill/>
-          <a:ln w="19050" cap="flat" cmpd="sng" algn="ctr">
-            <a:solidFill>
-              <a:schemeClr val="tx1"/>
-            </a:solidFill>
-            <a:prstDash val="solid"/>
-            <a:miter lim="800000"/>
-            <a:tailEnd type="triangle"/>
-          </a:ln>
-          <a:effectLst/>
-        </p:spPr>
-      </p:cxnSp>
     </p:spTree>
     <p:extLst>
       <p:ext uri="{BB962C8B-B14F-4D97-AF65-F5344CB8AC3E}">
